--- a/AprendizadoMaquina/Tópico 02 - Aprendizado Supervisionado/ARVORES DECISÃO/Tópico 02 - Aprendizado-Supervisionado - Arvores.pptx
+++ b/AprendizadoMaquina/Tópico 02 - Aprendizado Supervisionado/ARVORES DECISÃO/Tópico 02 - Aprendizado-Supervisionado - Arvores.pptx
@@ -311,7 +311,7 @@
             <a:pPr algn="r">
               <a:buNone/>
             </a:pPr>
-            <a:fld id="{1FB176A3-2276-43CA-80C3-48AA91578EA5}" type="slidenum">
+            <a:fld id="{8265B7CB-96C6-46DC-9B95-9FEF54A9587B}" type="slidenum">
               <a:rPr b="0" lang="pt-BR" sz="1400" spc="-1" strike="noStrike">
                 <a:latin typeface="Times New Roman"/>
               </a:rPr>
@@ -359,7 +359,7 @@
         <p:spPr>
           <a:xfrm>
             <a:off x="1376280" y="1336680"/>
-            <a:ext cx="4799520" cy="3599280"/>
+            <a:ext cx="4799160" cy="3598920"/>
           </a:xfrm>
           <a:prstGeom prst="rect">
             <a:avLst/>
@@ -382,7 +382,7 @@
         <p:spPr>
           <a:xfrm>
             <a:off x="756000" y="5145120"/>
-            <a:ext cx="6039720" cy="4201920"/>
+            <a:ext cx="6039360" cy="4201560"/>
           </a:xfrm>
           <a:prstGeom prst="rect">
             <a:avLst/>
@@ -412,7 +412,7 @@
         <p:spPr>
           <a:xfrm>
             <a:off x="0" y="10155240"/>
-            <a:ext cx="3268080" cy="528480"/>
+            <a:ext cx="3267720" cy="528120"/>
           </a:xfrm>
           <a:prstGeom prst="rect">
             <a:avLst/>
@@ -490,7 +490,7 @@
         <p:spPr>
           <a:xfrm>
             <a:off x="1376280" y="1336680"/>
-            <a:ext cx="4793760" cy="3593520"/>
+            <a:ext cx="4793400" cy="3593160"/>
           </a:xfrm>
           <a:prstGeom prst="rect">
             <a:avLst/>
@@ -513,7 +513,7 @@
         <p:spPr>
           <a:xfrm>
             <a:off x="756000" y="5145120"/>
-            <a:ext cx="6033240" cy="4195440"/>
+            <a:ext cx="6032880" cy="4195080"/>
           </a:xfrm>
           <a:prstGeom prst="rect">
             <a:avLst/>
@@ -543,7 +543,7 @@
         <p:spPr>
           <a:xfrm>
             <a:off x="0" y="10155240"/>
-            <a:ext cx="3261600" cy="522000"/>
+            <a:ext cx="3261240" cy="521640"/>
           </a:xfrm>
           <a:prstGeom prst="rect">
             <a:avLst/>
@@ -621,7 +621,7 @@
         <p:spPr>
           <a:xfrm>
             <a:off x="1376280" y="1336680"/>
-            <a:ext cx="4793760" cy="3593520"/>
+            <a:ext cx="4793400" cy="3593160"/>
           </a:xfrm>
           <a:prstGeom prst="rect">
             <a:avLst/>
@@ -644,7 +644,7 @@
         <p:spPr>
           <a:xfrm>
             <a:off x="756000" y="5145120"/>
-            <a:ext cx="6033240" cy="4195440"/>
+            <a:ext cx="6032880" cy="4195080"/>
           </a:xfrm>
           <a:prstGeom prst="rect">
             <a:avLst/>
@@ -674,7 +674,7 @@
         <p:spPr>
           <a:xfrm>
             <a:off x="0" y="10155240"/>
-            <a:ext cx="3261600" cy="522000"/>
+            <a:ext cx="3261240" cy="521640"/>
           </a:xfrm>
           <a:prstGeom prst="rect">
             <a:avLst/>
@@ -752,7 +752,7 @@
         <p:spPr>
           <a:xfrm>
             <a:off x="1376280" y="1336680"/>
-            <a:ext cx="4793760" cy="3593520"/>
+            <a:ext cx="4793400" cy="3593160"/>
           </a:xfrm>
           <a:prstGeom prst="rect">
             <a:avLst/>
@@ -775,7 +775,7 @@
         <p:spPr>
           <a:xfrm>
             <a:off x="756000" y="5145120"/>
-            <a:ext cx="6033240" cy="4195440"/>
+            <a:ext cx="6032880" cy="4195080"/>
           </a:xfrm>
           <a:prstGeom prst="rect">
             <a:avLst/>
@@ -805,7 +805,7 @@
         <p:spPr>
           <a:xfrm>
             <a:off x="0" y="10155240"/>
-            <a:ext cx="3261600" cy="522000"/>
+            <a:ext cx="3261240" cy="521640"/>
           </a:xfrm>
           <a:prstGeom prst="rect">
             <a:avLst/>
@@ -883,7 +883,7 @@
         <p:spPr>
           <a:xfrm>
             <a:off x="1376280" y="1336680"/>
-            <a:ext cx="4793760" cy="3593520"/>
+            <a:ext cx="4793400" cy="3593160"/>
           </a:xfrm>
           <a:prstGeom prst="rect">
             <a:avLst/>
@@ -906,7 +906,7 @@
         <p:spPr>
           <a:xfrm>
             <a:off x="756000" y="5145120"/>
-            <a:ext cx="6033240" cy="4195440"/>
+            <a:ext cx="6032880" cy="4195080"/>
           </a:xfrm>
           <a:prstGeom prst="rect">
             <a:avLst/>
@@ -936,7 +936,7 @@
         <p:spPr>
           <a:xfrm>
             <a:off x="0" y="10155240"/>
-            <a:ext cx="3261600" cy="522000"/>
+            <a:ext cx="3261240" cy="521640"/>
           </a:xfrm>
           <a:prstGeom prst="rect">
             <a:avLst/>
@@ -1014,7 +1014,7 @@
         <p:spPr>
           <a:xfrm>
             <a:off x="1376280" y="1336680"/>
-            <a:ext cx="4793760" cy="3593520"/>
+            <a:ext cx="4793400" cy="3593160"/>
           </a:xfrm>
           <a:prstGeom prst="rect">
             <a:avLst/>
@@ -1037,7 +1037,7 @@
         <p:spPr>
           <a:xfrm>
             <a:off x="756000" y="5145120"/>
-            <a:ext cx="6033240" cy="4195440"/>
+            <a:ext cx="6032880" cy="4195080"/>
           </a:xfrm>
           <a:prstGeom prst="rect">
             <a:avLst/>
@@ -1067,7 +1067,7 @@
         <p:spPr>
           <a:xfrm>
             <a:off x="0" y="10155240"/>
-            <a:ext cx="3261600" cy="522000"/>
+            <a:ext cx="3261240" cy="521640"/>
           </a:xfrm>
           <a:prstGeom prst="rect">
             <a:avLst/>
@@ -1145,7 +1145,7 @@
         <p:spPr>
           <a:xfrm>
             <a:off x="1376280" y="1336680"/>
-            <a:ext cx="4793760" cy="3593520"/>
+            <a:ext cx="4793400" cy="3593160"/>
           </a:xfrm>
           <a:prstGeom prst="rect">
             <a:avLst/>
@@ -1168,7 +1168,7 @@
         <p:spPr>
           <a:xfrm>
             <a:off x="756000" y="5145120"/>
-            <a:ext cx="6033240" cy="4195440"/>
+            <a:ext cx="6032880" cy="4195080"/>
           </a:xfrm>
           <a:prstGeom prst="rect">
             <a:avLst/>
@@ -1198,7 +1198,7 @@
         <p:spPr>
           <a:xfrm>
             <a:off x="0" y="10155240"/>
-            <a:ext cx="3261600" cy="522000"/>
+            <a:ext cx="3261240" cy="521640"/>
           </a:xfrm>
           <a:prstGeom prst="rect">
             <a:avLst/>
@@ -1276,7 +1276,7 @@
         <p:spPr>
           <a:xfrm>
             <a:off x="1376280" y="1336680"/>
-            <a:ext cx="4793760" cy="3593520"/>
+            <a:ext cx="4793400" cy="3593160"/>
           </a:xfrm>
           <a:prstGeom prst="rect">
             <a:avLst/>
@@ -1299,7 +1299,7 @@
         <p:spPr>
           <a:xfrm>
             <a:off x="756000" y="5145120"/>
-            <a:ext cx="6033240" cy="4195440"/>
+            <a:ext cx="6032880" cy="4195080"/>
           </a:xfrm>
           <a:prstGeom prst="rect">
             <a:avLst/>
@@ -1329,7 +1329,7 @@
         <p:spPr>
           <a:xfrm>
             <a:off x="0" y="10155240"/>
-            <a:ext cx="3261600" cy="522000"/>
+            <a:ext cx="3261240" cy="521640"/>
           </a:xfrm>
           <a:prstGeom prst="rect">
             <a:avLst/>
@@ -1407,7 +1407,7 @@
         <p:spPr>
           <a:xfrm>
             <a:off x="1376280" y="1336680"/>
-            <a:ext cx="4799520" cy="3599280"/>
+            <a:ext cx="4799160" cy="3598920"/>
           </a:xfrm>
           <a:prstGeom prst="rect">
             <a:avLst/>
@@ -1430,7 +1430,7 @@
         <p:spPr>
           <a:xfrm>
             <a:off x="756000" y="5145120"/>
-            <a:ext cx="6039720" cy="4201920"/>
+            <a:ext cx="6039360" cy="4201560"/>
           </a:xfrm>
           <a:prstGeom prst="rect">
             <a:avLst/>
@@ -1460,7 +1460,7 @@
         <p:spPr>
           <a:xfrm>
             <a:off x="0" y="10155240"/>
-            <a:ext cx="3268080" cy="528480"/>
+            <a:ext cx="3267720" cy="528120"/>
           </a:xfrm>
           <a:prstGeom prst="rect">
             <a:avLst/>
@@ -1538,7 +1538,7 @@
         <p:spPr>
           <a:xfrm>
             <a:off x="1376280" y="1336680"/>
-            <a:ext cx="4793760" cy="3593520"/>
+            <a:ext cx="4793400" cy="3593160"/>
           </a:xfrm>
           <a:prstGeom prst="rect">
             <a:avLst/>
@@ -1561,7 +1561,7 @@
         <p:spPr>
           <a:xfrm>
             <a:off x="756000" y="5145120"/>
-            <a:ext cx="6033240" cy="4195440"/>
+            <a:ext cx="6032880" cy="4195080"/>
           </a:xfrm>
           <a:prstGeom prst="rect">
             <a:avLst/>
@@ -1591,7 +1591,7 @@
         <p:spPr>
           <a:xfrm>
             <a:off x="0" y="10155240"/>
-            <a:ext cx="3261600" cy="522000"/>
+            <a:ext cx="3261240" cy="521640"/>
           </a:xfrm>
           <a:prstGeom prst="rect">
             <a:avLst/>
@@ -1669,7 +1669,7 @@
         <p:spPr>
           <a:xfrm>
             <a:off x="1376280" y="1336680"/>
-            <a:ext cx="4793760" cy="3593520"/>
+            <a:ext cx="4793400" cy="3593160"/>
           </a:xfrm>
           <a:prstGeom prst="rect">
             <a:avLst/>
@@ -1692,7 +1692,7 @@
         <p:spPr>
           <a:xfrm>
             <a:off x="756000" y="5145120"/>
-            <a:ext cx="6033240" cy="4195440"/>
+            <a:ext cx="6032880" cy="4195080"/>
           </a:xfrm>
           <a:prstGeom prst="rect">
             <a:avLst/>
@@ -1722,7 +1722,7 @@
         <p:spPr>
           <a:xfrm>
             <a:off x="0" y="10155240"/>
-            <a:ext cx="3261600" cy="522000"/>
+            <a:ext cx="3261240" cy="521640"/>
           </a:xfrm>
           <a:prstGeom prst="rect">
             <a:avLst/>
@@ -1800,7 +1800,7 @@
         <p:spPr>
           <a:xfrm>
             <a:off x="1376280" y="1336680"/>
-            <a:ext cx="4793760" cy="3593520"/>
+            <a:ext cx="4793400" cy="3593160"/>
           </a:xfrm>
           <a:prstGeom prst="rect">
             <a:avLst/>
@@ -1823,7 +1823,7 @@
         <p:spPr>
           <a:xfrm>
             <a:off x="756000" y="5145120"/>
-            <a:ext cx="6033240" cy="4195440"/>
+            <a:ext cx="6032880" cy="4195080"/>
           </a:xfrm>
           <a:prstGeom prst="rect">
             <a:avLst/>
@@ -1853,7 +1853,7 @@
         <p:spPr>
           <a:xfrm>
             <a:off x="0" y="10155240"/>
-            <a:ext cx="3261600" cy="522000"/>
+            <a:ext cx="3261240" cy="521640"/>
           </a:xfrm>
           <a:prstGeom prst="rect">
             <a:avLst/>
@@ -1931,7 +1931,7 @@
         <p:spPr>
           <a:xfrm>
             <a:off x="1376280" y="1336680"/>
-            <a:ext cx="4793760" cy="3593520"/>
+            <a:ext cx="4793400" cy="3593160"/>
           </a:xfrm>
           <a:prstGeom prst="rect">
             <a:avLst/>
@@ -1954,7 +1954,7 @@
         <p:spPr>
           <a:xfrm>
             <a:off x="756000" y="5145120"/>
-            <a:ext cx="6033240" cy="4195440"/>
+            <a:ext cx="6032880" cy="4195080"/>
           </a:xfrm>
           <a:prstGeom prst="rect">
             <a:avLst/>
@@ -1984,7 +1984,7 @@
         <p:spPr>
           <a:xfrm>
             <a:off x="0" y="10155240"/>
-            <a:ext cx="3261600" cy="522000"/>
+            <a:ext cx="3261240" cy="521640"/>
           </a:xfrm>
           <a:prstGeom prst="rect">
             <a:avLst/>
@@ -2062,7 +2062,7 @@
         <p:spPr>
           <a:xfrm>
             <a:off x="1376280" y="1336680"/>
-            <a:ext cx="4793760" cy="3593520"/>
+            <a:ext cx="4793400" cy="3593160"/>
           </a:xfrm>
           <a:prstGeom prst="rect">
             <a:avLst/>
@@ -2085,7 +2085,7 @@
         <p:spPr>
           <a:xfrm>
             <a:off x="756000" y="5145120"/>
-            <a:ext cx="6033240" cy="4195440"/>
+            <a:ext cx="6032880" cy="4195080"/>
           </a:xfrm>
           <a:prstGeom prst="rect">
             <a:avLst/>
@@ -2115,7 +2115,7 @@
         <p:spPr>
           <a:xfrm>
             <a:off x="0" y="10155240"/>
-            <a:ext cx="3261600" cy="522000"/>
+            <a:ext cx="3261240" cy="521640"/>
           </a:xfrm>
           <a:prstGeom prst="rect">
             <a:avLst/>
@@ -2193,7 +2193,7 @@
         <p:spPr>
           <a:xfrm>
             <a:off x="1376280" y="1336680"/>
-            <a:ext cx="4793760" cy="3593520"/>
+            <a:ext cx="4793400" cy="3593160"/>
           </a:xfrm>
           <a:prstGeom prst="rect">
             <a:avLst/>
@@ -2216,7 +2216,7 @@
         <p:spPr>
           <a:xfrm>
             <a:off x="756000" y="5145120"/>
-            <a:ext cx="6033240" cy="4195440"/>
+            <a:ext cx="6032880" cy="4195080"/>
           </a:xfrm>
           <a:prstGeom prst="rect">
             <a:avLst/>
@@ -2246,7 +2246,7 @@
         <p:spPr>
           <a:xfrm>
             <a:off x="0" y="10155240"/>
-            <a:ext cx="3261600" cy="522000"/>
+            <a:ext cx="3261240" cy="521640"/>
           </a:xfrm>
           <a:prstGeom prst="rect">
             <a:avLst/>
@@ -2324,7 +2324,7 @@
         <p:spPr>
           <a:xfrm>
             <a:off x="1376280" y="1336680"/>
-            <a:ext cx="4793760" cy="3593520"/>
+            <a:ext cx="4793400" cy="3593160"/>
           </a:xfrm>
           <a:prstGeom prst="rect">
             <a:avLst/>
@@ -2347,7 +2347,7 @@
         <p:spPr>
           <a:xfrm>
             <a:off x="756000" y="5145120"/>
-            <a:ext cx="6033240" cy="4195440"/>
+            <a:ext cx="6032880" cy="4195080"/>
           </a:xfrm>
           <a:prstGeom prst="rect">
             <a:avLst/>
@@ -2377,7 +2377,7 @@
         <p:spPr>
           <a:xfrm>
             <a:off x="0" y="10155240"/>
-            <a:ext cx="3261600" cy="522000"/>
+            <a:ext cx="3261240" cy="521640"/>
           </a:xfrm>
           <a:prstGeom prst="rect">
             <a:avLst/>
@@ -10078,7 +10078,7 @@
         <p:spPr>
           <a:xfrm>
             <a:off x="360" y="3150000"/>
-            <a:ext cx="9711360" cy="1252080"/>
+            <a:ext cx="9711000" cy="1251720"/>
           </a:xfrm>
           <a:prstGeom prst="rect">
             <a:avLst/>
@@ -10378,7 +10378,7 @@
         <p:spPr>
           <a:xfrm>
             <a:off x="360" y="180000"/>
-            <a:ext cx="9711360" cy="1252080"/>
+            <a:ext cx="9711000" cy="1251720"/>
           </a:xfrm>
           <a:prstGeom prst="rect">
             <a:avLst/>
@@ -10408,7 +10408,7 @@
         <p:spPr>
           <a:xfrm>
             <a:off x="7559280" y="6840000"/>
-            <a:ext cx="2512080" cy="532080"/>
+            <a:ext cx="2511720" cy="531720"/>
           </a:xfrm>
           <a:prstGeom prst="rect">
             <a:avLst/>
@@ -10438,7 +10438,7 @@
         <p:spPr>
           <a:xfrm>
             <a:off x="899640" y="6840000"/>
-            <a:ext cx="6471720" cy="532080"/>
+            <a:ext cx="6471360" cy="531720"/>
           </a:xfrm>
           <a:prstGeom prst="rect">
             <a:avLst/>
@@ -10468,7 +10468,7 @@
         <p:spPr>
           <a:xfrm>
             <a:off x="179640" y="6840000"/>
-            <a:ext cx="532080" cy="532080"/>
+            <a:ext cx="531720" cy="531720"/>
           </a:xfrm>
           <a:prstGeom prst="rect">
             <a:avLst/>
@@ -10764,7 +10764,7 @@
         <p:spPr>
           <a:xfrm>
             <a:off x="360" y="180000"/>
-            <a:ext cx="9704880" cy="1245600"/>
+            <a:ext cx="9704520" cy="1245240"/>
           </a:xfrm>
           <a:prstGeom prst="rect">
             <a:avLst/>
@@ -10794,7 +10794,7 @@
         <p:spPr>
           <a:xfrm>
             <a:off x="7559280" y="6840000"/>
-            <a:ext cx="2505600" cy="525600"/>
+            <a:ext cx="2505240" cy="525240"/>
           </a:xfrm>
           <a:prstGeom prst="rect">
             <a:avLst/>
@@ -10824,7 +10824,7 @@
         <p:spPr>
           <a:xfrm>
             <a:off x="899640" y="6840000"/>
-            <a:ext cx="6465240" cy="525600"/>
+            <a:ext cx="6464880" cy="525240"/>
           </a:xfrm>
           <a:prstGeom prst="rect">
             <a:avLst/>
@@ -10854,7 +10854,7 @@
         <p:spPr>
           <a:xfrm>
             <a:off x="179640" y="6840000"/>
-            <a:ext cx="525600" cy="525600"/>
+            <a:ext cx="525240" cy="525240"/>
           </a:xfrm>
           <a:prstGeom prst="rect">
             <a:avLst/>
@@ -11150,7 +11150,7 @@
         <p:spPr>
           <a:xfrm>
             <a:off x="360" y="180000"/>
-            <a:ext cx="9704880" cy="1245600"/>
+            <a:ext cx="9704520" cy="1245240"/>
           </a:xfrm>
           <a:prstGeom prst="rect">
             <a:avLst/>
@@ -11180,7 +11180,7 @@
         <p:spPr>
           <a:xfrm>
             <a:off x="7559280" y="6840000"/>
-            <a:ext cx="2505600" cy="525600"/>
+            <a:ext cx="2505240" cy="525240"/>
           </a:xfrm>
           <a:prstGeom prst="rect">
             <a:avLst/>
@@ -11210,7 +11210,7 @@
         <p:spPr>
           <a:xfrm>
             <a:off x="899640" y="6840000"/>
-            <a:ext cx="6465240" cy="525600"/>
+            <a:ext cx="6464880" cy="525240"/>
           </a:xfrm>
           <a:prstGeom prst="rect">
             <a:avLst/>
@@ -11240,7 +11240,7 @@
         <p:spPr>
           <a:xfrm>
             <a:off x="179640" y="6840000"/>
-            <a:ext cx="525600" cy="525600"/>
+            <a:ext cx="525240" cy="525240"/>
           </a:xfrm>
           <a:prstGeom prst="rect">
             <a:avLst/>
@@ -11536,7 +11536,7 @@
         <p:spPr>
           <a:xfrm>
             <a:off x="360" y="180000"/>
-            <a:ext cx="9704880" cy="1245600"/>
+            <a:ext cx="9704520" cy="1245240"/>
           </a:xfrm>
           <a:prstGeom prst="rect">
             <a:avLst/>
@@ -11566,7 +11566,7 @@
         <p:spPr>
           <a:xfrm>
             <a:off x="7559280" y="6840000"/>
-            <a:ext cx="2505600" cy="525600"/>
+            <a:ext cx="2505240" cy="525240"/>
           </a:xfrm>
           <a:prstGeom prst="rect">
             <a:avLst/>
@@ -11596,7 +11596,7 @@
         <p:spPr>
           <a:xfrm>
             <a:off x="899640" y="6840000"/>
-            <a:ext cx="6465240" cy="525600"/>
+            <a:ext cx="6464880" cy="525240"/>
           </a:xfrm>
           <a:prstGeom prst="rect">
             <a:avLst/>
@@ -11626,7 +11626,7 @@
         <p:spPr>
           <a:xfrm>
             <a:off x="179640" y="6840000"/>
-            <a:ext cx="525600" cy="525600"/>
+            <a:ext cx="525240" cy="525240"/>
           </a:xfrm>
           <a:prstGeom prst="rect">
             <a:avLst/>
@@ -11922,7 +11922,7 @@
         <p:spPr>
           <a:xfrm>
             <a:off x="359640" y="3330000"/>
-            <a:ext cx="9351360" cy="892080"/>
+            <a:ext cx="9351000" cy="891720"/>
           </a:xfrm>
           <a:prstGeom prst="rect">
             <a:avLst/>
@@ -11974,7 +11974,7 @@
         <p:spPr>
           <a:xfrm>
             <a:off x="539640" y="4680000"/>
-            <a:ext cx="9171360" cy="2512080"/>
+            <a:ext cx="9171000" cy="2511720"/>
           </a:xfrm>
           <a:prstGeom prst="rect">
             <a:avLst/>
@@ -12213,7 +12213,7 @@
         <p:spPr>
           <a:xfrm>
             <a:off x="359640" y="360000"/>
-            <a:ext cx="9344880" cy="885600"/>
+            <a:ext cx="9344520" cy="885240"/>
           </a:xfrm>
           <a:prstGeom prst="rect">
             <a:avLst/>
@@ -12265,7 +12265,7 @@
         <p:spPr>
           <a:xfrm>
             <a:off x="896760" y="6886080"/>
-            <a:ext cx="6432480" cy="350640"/>
+            <a:ext cx="6432120" cy="350280"/>
           </a:xfrm>
           <a:prstGeom prst="rect">
             <a:avLst/>
@@ -12317,7 +12317,7 @@
         <p:spPr>
           <a:xfrm>
             <a:off x="327960" y="1553760"/>
-            <a:ext cx="9194760" cy="5129280"/>
+            <a:ext cx="9194400" cy="5128920"/>
           </a:xfrm>
           <a:prstGeom prst="rect">
             <a:avLst/>
@@ -12655,7 +12655,7 @@
         <p:spPr>
           <a:xfrm>
             <a:off x="7603920" y="6922080"/>
-            <a:ext cx="1827000" cy="357120"/>
+            <a:ext cx="1826640" cy="356760"/>
           </a:xfrm>
           <a:prstGeom prst="rect">
             <a:avLst/>
@@ -12743,7 +12743,7 @@
         <p:spPr>
           <a:xfrm>
             <a:off x="7200000" y="2520000"/>
-            <a:ext cx="2698920" cy="3620520"/>
+            <a:ext cx="2698560" cy="3620160"/>
           </a:xfrm>
           <a:prstGeom prst="rect">
             <a:avLst/>
@@ -12762,7 +12762,7 @@
         <p:spPr>
           <a:xfrm>
             <a:off x="359640" y="360000"/>
-            <a:ext cx="9344880" cy="885600"/>
+            <a:ext cx="9344520" cy="885240"/>
           </a:xfrm>
           <a:prstGeom prst="rect">
             <a:avLst/>
@@ -12814,7 +12814,7 @@
         <p:spPr>
           <a:xfrm>
             <a:off x="896760" y="6886080"/>
-            <a:ext cx="6432480" cy="350640"/>
+            <a:ext cx="6432120" cy="350280"/>
           </a:xfrm>
           <a:prstGeom prst="rect">
             <a:avLst/>
@@ -12866,7 +12866,7 @@
         <p:spPr>
           <a:xfrm>
             <a:off x="327960" y="1553760"/>
-            <a:ext cx="9194760" cy="5129280"/>
+            <a:ext cx="9194400" cy="5128920"/>
           </a:xfrm>
           <a:prstGeom prst="rect">
             <a:avLst/>
@@ -13346,7 +13346,7 @@
         <p:spPr>
           <a:xfrm>
             <a:off x="7603920" y="6922080"/>
-            <a:ext cx="1827000" cy="357120"/>
+            <a:ext cx="1826640" cy="356760"/>
           </a:xfrm>
           <a:prstGeom prst="rect">
             <a:avLst/>
@@ -13398,7 +13398,7 @@
         <p:spPr>
           <a:xfrm>
             <a:off x="3960000" y="1623960"/>
-            <a:ext cx="5808600" cy="355680"/>
+            <a:ext cx="5808240" cy="355320"/>
           </a:xfrm>
           <a:prstGeom prst="rect">
             <a:avLst/>
@@ -13486,7 +13486,7 @@
         <p:spPr>
           <a:xfrm>
             <a:off x="7200720" y="2340000"/>
-            <a:ext cx="2698920" cy="3620520"/>
+            <a:ext cx="2698560" cy="3620160"/>
           </a:xfrm>
           <a:prstGeom prst="rect">
             <a:avLst/>
@@ -13505,7 +13505,7 @@
         <p:spPr>
           <a:xfrm>
             <a:off x="359640" y="360000"/>
-            <a:ext cx="9344880" cy="885600"/>
+            <a:ext cx="9344520" cy="885240"/>
           </a:xfrm>
           <a:prstGeom prst="rect">
             <a:avLst/>
@@ -13557,7 +13557,7 @@
         <p:spPr>
           <a:xfrm>
             <a:off x="896760" y="6886080"/>
-            <a:ext cx="6432480" cy="350640"/>
+            <a:ext cx="6432120" cy="350280"/>
           </a:xfrm>
           <a:prstGeom prst="rect">
             <a:avLst/>
@@ -13609,7 +13609,7 @@
         <p:spPr>
           <a:xfrm>
             <a:off x="327960" y="1553760"/>
-            <a:ext cx="9194760" cy="5129280"/>
+            <a:ext cx="9194400" cy="5128920"/>
           </a:xfrm>
           <a:prstGeom prst="rect">
             <a:avLst/>
@@ -14063,7 +14063,7 @@
         <p:spPr>
           <a:xfrm>
             <a:off x="7603920" y="6922080"/>
-            <a:ext cx="1827000" cy="357120"/>
+            <a:ext cx="1826640" cy="356760"/>
           </a:xfrm>
           <a:prstGeom prst="rect">
             <a:avLst/>
@@ -14115,7 +14115,7 @@
         <p:spPr>
           <a:xfrm>
             <a:off x="3780000" y="1620000"/>
-            <a:ext cx="5808600" cy="355680"/>
+            <a:ext cx="5808240" cy="355320"/>
           </a:xfrm>
           <a:prstGeom prst="rect">
             <a:avLst/>
@@ -14203,7 +14203,7 @@
         <p:spPr>
           <a:xfrm>
             <a:off x="6660000" y="2340000"/>
-            <a:ext cx="2698920" cy="3620520"/>
+            <a:ext cx="2698560" cy="3620160"/>
           </a:xfrm>
           <a:prstGeom prst="rect">
             <a:avLst/>
@@ -14222,7 +14222,7 @@
         <p:spPr>
           <a:xfrm>
             <a:off x="359640" y="360000"/>
-            <a:ext cx="9344880" cy="885600"/>
+            <a:ext cx="9344520" cy="885240"/>
           </a:xfrm>
           <a:prstGeom prst="rect">
             <a:avLst/>
@@ -14274,7 +14274,7 @@
         <p:spPr>
           <a:xfrm>
             <a:off x="896760" y="6886080"/>
-            <a:ext cx="6432480" cy="350640"/>
+            <a:ext cx="6432120" cy="350280"/>
           </a:xfrm>
           <a:prstGeom prst="rect">
             <a:avLst/>
@@ -14326,7 +14326,7 @@
         <p:spPr>
           <a:xfrm>
             <a:off x="327960" y="1553760"/>
-            <a:ext cx="9194760" cy="5129280"/>
+            <a:ext cx="9194400" cy="5128920"/>
           </a:xfrm>
           <a:prstGeom prst="rect">
             <a:avLst/>
@@ -14620,7 +14620,7 @@
         <p:spPr>
           <a:xfrm>
             <a:off x="7603920" y="6922080"/>
-            <a:ext cx="1827000" cy="357120"/>
+            <a:ext cx="1826640" cy="356760"/>
           </a:xfrm>
           <a:prstGeom prst="rect">
             <a:avLst/>
@@ -14672,7 +14672,7 @@
         <p:spPr>
           <a:xfrm>
             <a:off x="3780000" y="1620000"/>
-            <a:ext cx="5808600" cy="355680"/>
+            <a:ext cx="5808240" cy="355320"/>
           </a:xfrm>
           <a:prstGeom prst="rect">
             <a:avLst/>
@@ -14760,7 +14760,7 @@
         <p:spPr>
           <a:xfrm>
             <a:off x="2471400" y="3873960"/>
-            <a:ext cx="4728600" cy="2809080"/>
+            <a:ext cx="4728240" cy="2808720"/>
           </a:xfrm>
           <a:prstGeom prst="rect">
             <a:avLst/>
@@ -14779,7 +14779,7 @@
         <p:spPr>
           <a:xfrm>
             <a:off x="359640" y="360000"/>
-            <a:ext cx="9344880" cy="885600"/>
+            <a:ext cx="9344520" cy="885240"/>
           </a:xfrm>
           <a:prstGeom prst="rect">
             <a:avLst/>
@@ -14831,7 +14831,7 @@
         <p:spPr>
           <a:xfrm>
             <a:off x="896760" y="6886080"/>
-            <a:ext cx="6432480" cy="350640"/>
+            <a:ext cx="6432120" cy="350280"/>
           </a:xfrm>
           <a:prstGeom prst="rect">
             <a:avLst/>
@@ -14883,7 +14883,7 @@
         <p:spPr>
           <a:xfrm>
             <a:off x="327960" y="1553760"/>
-            <a:ext cx="9194760" cy="5129280"/>
+            <a:ext cx="9194400" cy="5128920"/>
           </a:xfrm>
           <a:prstGeom prst="rect">
             <a:avLst/>
@@ -15066,7 +15066,7 @@
         <p:spPr>
           <a:xfrm>
             <a:off x="7603920" y="6922080"/>
-            <a:ext cx="1827000" cy="357120"/>
+            <a:ext cx="1826640" cy="356760"/>
           </a:xfrm>
           <a:prstGeom prst="rect">
             <a:avLst/>
@@ -15148,7 +15148,7 @@
         <p:spPr>
           <a:xfrm>
             <a:off x="359640" y="360000"/>
-            <a:ext cx="9344880" cy="885600"/>
+            <a:ext cx="9344520" cy="885240"/>
           </a:xfrm>
           <a:prstGeom prst="rect">
             <a:avLst/>
@@ -15200,7 +15200,7 @@
         <p:spPr>
           <a:xfrm>
             <a:off x="896760" y="6886080"/>
-            <a:ext cx="6432480" cy="350640"/>
+            <a:ext cx="6432120" cy="350280"/>
           </a:xfrm>
           <a:prstGeom prst="rect">
             <a:avLst/>
@@ -15252,7 +15252,7 @@
         <p:spPr>
           <a:xfrm>
             <a:off x="327960" y="1553760"/>
-            <a:ext cx="9194760" cy="5129280"/>
+            <a:ext cx="9194400" cy="5128920"/>
           </a:xfrm>
           <a:prstGeom prst="rect">
             <a:avLst/>
@@ -15524,7 +15524,7 @@
         <p:spPr>
           <a:xfrm>
             <a:off x="7603920" y="6922080"/>
-            <a:ext cx="1827000" cy="357120"/>
+            <a:ext cx="1826640" cy="356760"/>
           </a:xfrm>
           <a:prstGeom prst="rect">
             <a:avLst/>
@@ -15606,7 +15606,7 @@
         <p:spPr>
           <a:xfrm>
             <a:off x="359640" y="360000"/>
-            <a:ext cx="9344880" cy="885600"/>
+            <a:ext cx="9344520" cy="885240"/>
           </a:xfrm>
           <a:prstGeom prst="rect">
             <a:avLst/>
@@ -15658,7 +15658,7 @@
         <p:spPr>
           <a:xfrm>
             <a:off x="896760" y="6886080"/>
-            <a:ext cx="6432480" cy="350640"/>
+            <a:ext cx="6432120" cy="350280"/>
           </a:xfrm>
           <a:prstGeom prst="rect">
             <a:avLst/>
@@ -15710,7 +15710,7 @@
         <p:spPr>
           <a:xfrm>
             <a:off x="327960" y="1553760"/>
-            <a:ext cx="9194760" cy="5129280"/>
+            <a:ext cx="9194400" cy="5128920"/>
           </a:xfrm>
           <a:prstGeom prst="rect">
             <a:avLst/>
@@ -15774,7 +15774,7 @@
         <p:spPr>
           <a:xfrm>
             <a:off x="7603920" y="6922080"/>
-            <a:ext cx="1827000" cy="357120"/>
+            <a:ext cx="1826640" cy="356760"/>
           </a:xfrm>
           <a:prstGeom prst="rect">
             <a:avLst/>
@@ -15826,7 +15826,7 @@
         <p:spPr>
           <a:xfrm>
             <a:off x="12240" y="1241280"/>
-            <a:ext cx="10200600" cy="5550840"/>
+            <a:ext cx="10200240" cy="5550480"/>
           </a:xfrm>
           <a:prstGeom prst="rect">
             <a:avLst/>
@@ -15879,7 +15879,7 @@
         <p:spPr>
           <a:xfrm>
             <a:off x="327960" y="1553760"/>
-            <a:ext cx="9194760" cy="5129280"/>
+            <a:ext cx="9194400" cy="5128920"/>
           </a:xfrm>
           <a:prstGeom prst="rect">
             <a:avLst/>
@@ -15930,14 +15930,25 @@
                 <a:latin typeface="Latin Modern Sans"/>
                 <a:ea typeface="DejaVu Sans"/>
               </a:rPr>
-              <a:t>Let’s Code:</a:t>
+              <a:t>Let’s Code: </a:t>
+            </a:r>
+            <a:r>
+              <a:rPr b="0" lang="pt-BR" sz="1800" spc="-1" strike="noStrike">
+                <a:solidFill>
+                  <a:srgbClr val="1c1c1c"/>
+                </a:solidFill>
+                <a:latin typeface="Latin Modern Sans"/>
+                <a:ea typeface="DejaVu Sans"/>
+                <a:hlinkClick r:id="rId1"/>
+              </a:rPr>
+              <a:t>Tópico_02_Aprendizado_Supervisionado_Arvores_Decisão.ipynb</a:t>
             </a:r>
             <a:endParaRPr b="0" lang="pt-BR" sz="1800" spc="-1" strike="noStrike">
               <a:latin typeface="Arial"/>
             </a:endParaRPr>
           </a:p>
           <a:p>
-            <a:pPr lvl="1" marL="432000" indent="-216000">
+            <a:pPr marL="216000" indent="-216000">
               <a:lnSpc>
                 <a:spcPct val="150000"/>
               </a:lnSpc>
@@ -15948,16 +15959,17 @@
               <a:buFont typeface="Wingdings" charset="2"/>
               <a:buChar char=""/>
             </a:pPr>
-            <a:r>
-              <a:rPr b="0" lang="pt-BR" sz="1800" spc="-1" strike="noStrike">
-                <a:solidFill>
-                  <a:srgbClr val="1c1c1c"/>
-                </a:solidFill>
-                <a:latin typeface="Latin Modern Sans"/>
-                <a:ea typeface="DejaVu Sans"/>
-              </a:rPr>
-              <a:t> </a:t>
-            </a:r>
+            <a:endParaRPr b="0" lang="pt-BR" sz="1800" spc="-1" strike="noStrike">
+              <a:latin typeface="Arial"/>
+            </a:endParaRPr>
+          </a:p>
+          <a:p>
+            <a:pPr>
+              <a:lnSpc>
+                <a:spcPct val="150000"/>
+              </a:lnSpc>
+              <a:buNone/>
+            </a:pPr>
             <a:endParaRPr b="0" lang="pt-BR" sz="1800" spc="-1" strike="noStrike">
               <a:latin typeface="Arial"/>
             </a:endParaRPr>
@@ -16014,7 +16026,7 @@
         <p:spPr>
           <a:xfrm>
             <a:off x="359640" y="360000"/>
-            <a:ext cx="9351360" cy="892080"/>
+            <a:ext cx="9351000" cy="891720"/>
           </a:xfrm>
           <a:prstGeom prst="rect">
             <a:avLst/>
@@ -16066,7 +16078,7 @@
         <p:spPr>
           <a:xfrm>
             <a:off x="359640" y="1980000"/>
-            <a:ext cx="9171360" cy="4672440"/>
+            <a:ext cx="9171000" cy="4672080"/>
           </a:xfrm>
           <a:prstGeom prst="rect">
             <a:avLst/>
@@ -16270,7 +16282,7 @@
         <p:spPr>
           <a:xfrm>
             <a:off x="896760" y="6886080"/>
-            <a:ext cx="6438960" cy="357120"/>
+            <a:ext cx="6438600" cy="356760"/>
           </a:xfrm>
           <a:prstGeom prst="rect">
             <a:avLst/>
@@ -16328,7 +16340,7 @@
         <p:spPr>
           <a:xfrm>
             <a:off x="2045160" y="3960000"/>
-            <a:ext cx="6130440" cy="1853640"/>
+            <a:ext cx="6130080" cy="1853280"/>
           </a:xfrm>
           <a:prstGeom prst="rect">
             <a:avLst/>
@@ -16347,7 +16359,7 @@
         <p:spPr>
           <a:xfrm>
             <a:off x="2520000" y="5508360"/>
-            <a:ext cx="266760" cy="266760"/>
+            <a:ext cx="266400" cy="266400"/>
           </a:xfrm>
           <a:prstGeom prst="ellipse">
             <a:avLst/>
@@ -16379,7 +16391,7 @@
         <p:spPr>
           <a:xfrm>
             <a:off x="2052000" y="5508360"/>
-            <a:ext cx="266760" cy="266760"/>
+            <a:ext cx="266400" cy="266400"/>
           </a:xfrm>
           <a:prstGeom prst="ellipse">
             <a:avLst/>
@@ -16411,7 +16423,7 @@
         <p:spPr>
           <a:xfrm>
             <a:off x="2988360" y="5508360"/>
-            <a:ext cx="266760" cy="266760"/>
+            <a:ext cx="266400" cy="266400"/>
           </a:xfrm>
           <a:prstGeom prst="ellipse">
             <a:avLst/>
@@ -16443,7 +16455,7 @@
         <p:spPr>
           <a:xfrm>
             <a:off x="7603920" y="6922080"/>
-            <a:ext cx="1827000" cy="357120"/>
+            <a:ext cx="1826640" cy="356760"/>
           </a:xfrm>
           <a:prstGeom prst="rect">
             <a:avLst/>
@@ -16531,7 +16543,7 @@
         <p:spPr>
           <a:xfrm>
             <a:off x="5399280" y="5040000"/>
-            <a:ext cx="4139280" cy="1654200"/>
+            <a:ext cx="4138920" cy="1653840"/>
           </a:xfrm>
           <a:prstGeom prst="rect">
             <a:avLst/>
@@ -16550,7 +16562,7 @@
         <p:spPr>
           <a:xfrm>
             <a:off x="6147000" y="2725560"/>
-            <a:ext cx="469080" cy="223920"/>
+            <a:ext cx="468720" cy="223560"/>
           </a:xfrm>
           <a:prstGeom prst="rect">
             <a:avLst/>
@@ -16576,7 +16588,7 @@
         <p:spPr>
           <a:xfrm>
             <a:off x="359640" y="360000"/>
-            <a:ext cx="9344880" cy="885600"/>
+            <a:ext cx="9344520" cy="885240"/>
           </a:xfrm>
           <a:prstGeom prst="rect">
             <a:avLst/>
@@ -16628,7 +16640,7 @@
         <p:spPr>
           <a:xfrm>
             <a:off x="896760" y="6886080"/>
-            <a:ext cx="6432480" cy="350640"/>
+            <a:ext cx="6432120" cy="350280"/>
           </a:xfrm>
           <a:prstGeom prst="rect">
             <a:avLst/>
@@ -16680,7 +16692,7 @@
         <p:spPr>
           <a:xfrm>
             <a:off x="7607880" y="6886080"/>
-            <a:ext cx="2270880" cy="350640"/>
+            <a:ext cx="2270520" cy="350280"/>
           </a:xfrm>
           <a:prstGeom prst="rect">
             <a:avLst/>
@@ -16732,7 +16744,7 @@
         <p:spPr>
           <a:xfrm>
             <a:off x="342360" y="1529280"/>
-            <a:ext cx="6774840" cy="383400"/>
+            <a:ext cx="6774480" cy="383040"/>
           </a:xfrm>
           <a:prstGeom prst="rect">
             <a:avLst/>
@@ -16980,7 +16992,7 @@
         <p:spPr>
           <a:xfrm>
             <a:off x="7531920" y="6922080"/>
-            <a:ext cx="2699280" cy="357120"/>
+            <a:ext cx="2698920" cy="356760"/>
           </a:xfrm>
           <a:prstGeom prst="rect">
             <a:avLst/>
@@ -17038,7 +17050,7 @@
         <p:spPr>
           <a:xfrm>
             <a:off x="692280" y="4736160"/>
-            <a:ext cx="5426640" cy="483480"/>
+            <a:ext cx="5426280" cy="483120"/>
           </a:xfrm>
           <a:prstGeom prst="rect">
             <a:avLst/>
@@ -17064,7 +17076,7 @@
         <p:spPr>
           <a:xfrm>
             <a:off x="4680720" y="1980360"/>
-            <a:ext cx="3419280" cy="2519640"/>
+            <a:ext cx="3418920" cy="2519280"/>
           </a:xfrm>
           <a:prstGeom prst="rect">
             <a:avLst/>
@@ -17089,7 +17101,7 @@
         <p:spPr>
           <a:xfrm>
             <a:off x="359640" y="5106600"/>
-            <a:ext cx="4499280" cy="1523520"/>
+            <a:ext cx="4498920" cy="1523160"/>
           </a:xfrm>
           <a:prstGeom prst="rect">
             <a:avLst/>
@@ -17108,7 +17120,7 @@
         <p:spPr>
           <a:xfrm>
             <a:off x="683640" y="6228000"/>
-            <a:ext cx="359640" cy="179640"/>
+            <a:ext cx="359280" cy="179280"/>
           </a:xfrm>
           <a:prstGeom prst="rect">
             <a:avLst/>
@@ -17140,7 +17152,7 @@
         <p:spPr>
           <a:xfrm>
             <a:off x="2915640" y="6228000"/>
-            <a:ext cx="359640" cy="179640"/>
+            <a:ext cx="359280" cy="179280"/>
           </a:xfrm>
           <a:prstGeom prst="rect">
             <a:avLst/>
@@ -17172,7 +17184,7 @@
         <p:spPr>
           <a:xfrm>
             <a:off x="1151640" y="6012000"/>
-            <a:ext cx="1727640" cy="647640"/>
+            <a:ext cx="1727280" cy="647280"/>
           </a:xfrm>
           <a:custGeom>
             <a:avLst/>
@@ -17289,7 +17301,7 @@
         <p:spPr>
           <a:xfrm>
             <a:off x="7603920" y="6922080"/>
-            <a:ext cx="1827000" cy="357120"/>
+            <a:ext cx="1826640" cy="356760"/>
           </a:xfrm>
           <a:prstGeom prst="rect">
             <a:avLst/>
@@ -17371,7 +17383,7 @@
         <p:spPr>
           <a:xfrm>
             <a:off x="359640" y="360000"/>
-            <a:ext cx="9344880" cy="885600"/>
+            <a:ext cx="9344520" cy="885240"/>
           </a:xfrm>
           <a:prstGeom prst="rect">
             <a:avLst/>
@@ -17423,7 +17435,7 @@
         <p:spPr>
           <a:xfrm>
             <a:off x="896760" y="6886080"/>
-            <a:ext cx="6432480" cy="350640"/>
+            <a:ext cx="6432120" cy="350280"/>
           </a:xfrm>
           <a:prstGeom prst="rect">
             <a:avLst/>
@@ -17482,7 +17494,7 @@
         <p:spPr>
           <a:xfrm>
             <a:off x="2879640" y="3060000"/>
-            <a:ext cx="5398920" cy="3419280"/>
+            <a:ext cx="5398560" cy="3418920"/>
           </a:xfrm>
           <a:prstGeom prst="rect">
             <a:avLst/>
@@ -17501,7 +17513,7 @@
         <p:spPr>
           <a:xfrm>
             <a:off x="327960" y="1553760"/>
-            <a:ext cx="9194760" cy="5129280"/>
+            <a:ext cx="9194400" cy="5128920"/>
           </a:xfrm>
           <a:prstGeom prst="rect">
             <a:avLst/>
@@ -17628,7 +17640,7 @@
         <p:spPr>
           <a:xfrm>
             <a:off x="7603920" y="6922080"/>
-            <a:ext cx="1827000" cy="357120"/>
+            <a:ext cx="1826640" cy="356760"/>
           </a:xfrm>
           <a:prstGeom prst="rect">
             <a:avLst/>
@@ -17710,7 +17722,7 @@
         <p:spPr>
           <a:xfrm>
             <a:off x="359640" y="360000"/>
-            <a:ext cx="9344880" cy="885600"/>
+            <a:ext cx="9344520" cy="885240"/>
           </a:xfrm>
           <a:prstGeom prst="rect">
             <a:avLst/>
@@ -17762,7 +17774,7 @@
         <p:spPr>
           <a:xfrm>
             <a:off x="896760" y="6886080"/>
-            <a:ext cx="6432480" cy="350640"/>
+            <a:ext cx="6432120" cy="350280"/>
           </a:xfrm>
           <a:prstGeom prst="rect">
             <a:avLst/>
@@ -17814,7 +17826,7 @@
         <p:spPr>
           <a:xfrm>
             <a:off x="327960" y="1553760"/>
-            <a:ext cx="9194760" cy="5129280"/>
+            <a:ext cx="9194400" cy="5128920"/>
           </a:xfrm>
           <a:prstGeom prst="rect">
             <a:avLst/>
@@ -17911,7 +17923,7 @@
         <p:spPr>
           <a:xfrm>
             <a:off x="7603920" y="6922080"/>
-            <a:ext cx="1827000" cy="357120"/>
+            <a:ext cx="1826640" cy="356760"/>
           </a:xfrm>
           <a:prstGeom prst="rect">
             <a:avLst/>
@@ -17969,7 +17981,7 @@
         <p:spPr>
           <a:xfrm>
             <a:off x="5399280" y="3420000"/>
-            <a:ext cx="4083120" cy="2425680"/>
+            <a:ext cx="4082760" cy="2425320"/>
           </a:xfrm>
           <a:prstGeom prst="rect">
             <a:avLst/>
@@ -17988,7 +18000,7 @@
         <p:spPr>
           <a:xfrm>
             <a:off x="327960" y="1553760"/>
-            <a:ext cx="9194760" cy="5129280"/>
+            <a:ext cx="9194400" cy="5128920"/>
           </a:xfrm>
           <a:prstGeom prst="rect">
             <a:avLst/>
@@ -18121,7 +18133,7 @@
         <p:spPr>
           <a:xfrm>
             <a:off x="900000" y="2859120"/>
-            <a:ext cx="2698920" cy="3620520"/>
+            <a:ext cx="2698560" cy="3620160"/>
           </a:xfrm>
           <a:prstGeom prst="rect">
             <a:avLst/>
@@ -18140,7 +18152,7 @@
         <p:spPr>
           <a:xfrm>
             <a:off x="4139640" y="4500000"/>
-            <a:ext cx="899640" cy="539640"/>
+            <a:ext cx="899280" cy="539280"/>
           </a:xfrm>
           <a:custGeom>
             <a:avLst/>
@@ -18257,7 +18269,7 @@
         <p:spPr>
           <a:xfrm>
             <a:off x="359640" y="360000"/>
-            <a:ext cx="9344880" cy="885600"/>
+            <a:ext cx="9344520" cy="885240"/>
           </a:xfrm>
           <a:prstGeom prst="rect">
             <a:avLst/>
@@ -18309,7 +18321,7 @@
         <p:spPr>
           <a:xfrm>
             <a:off x="896760" y="6886080"/>
-            <a:ext cx="6432480" cy="350640"/>
+            <a:ext cx="6432120" cy="350280"/>
           </a:xfrm>
           <a:prstGeom prst="rect">
             <a:avLst/>
@@ -18361,7 +18373,7 @@
         <p:spPr>
           <a:xfrm>
             <a:off x="327960" y="1553760"/>
-            <a:ext cx="9194760" cy="5129280"/>
+            <a:ext cx="9194400" cy="5128920"/>
           </a:xfrm>
           <a:prstGeom prst="rect">
             <a:avLst/>
@@ -18458,7 +18470,7 @@
         <p:spPr>
           <a:xfrm>
             <a:off x="7603920" y="6922080"/>
-            <a:ext cx="1827000" cy="357120"/>
+            <a:ext cx="1826640" cy="356760"/>
           </a:xfrm>
           <a:prstGeom prst="rect">
             <a:avLst/>
@@ -18510,7 +18522,7 @@
         <p:spPr>
           <a:xfrm>
             <a:off x="327960" y="1553760"/>
-            <a:ext cx="9194760" cy="5129280"/>
+            <a:ext cx="9194400" cy="5128920"/>
           </a:xfrm>
           <a:prstGeom prst="rect">
             <a:avLst/>
@@ -18739,7 +18751,7 @@
         <p:spPr>
           <a:xfrm>
             <a:off x="1295280" y="3672000"/>
-            <a:ext cx="2304000" cy="799200"/>
+            <a:ext cx="2303640" cy="798840"/>
           </a:xfrm>
           <a:prstGeom prst="rect">
             <a:avLst/>
@@ -18764,7 +18776,7 @@
         <p:spPr>
           <a:xfrm>
             <a:off x="1284120" y="5400000"/>
-            <a:ext cx="4474800" cy="846720"/>
+            <a:ext cx="4474440" cy="846360"/>
           </a:xfrm>
           <a:prstGeom prst="rect">
             <a:avLst/>
@@ -18813,7 +18825,7 @@
         <p:spPr>
           <a:xfrm>
             <a:off x="359640" y="360000"/>
-            <a:ext cx="9344880" cy="885600"/>
+            <a:ext cx="9344520" cy="885240"/>
           </a:xfrm>
           <a:prstGeom prst="rect">
             <a:avLst/>
@@ -18865,7 +18877,7 @@
         <p:spPr>
           <a:xfrm>
             <a:off x="896760" y="6886080"/>
-            <a:ext cx="6432480" cy="350640"/>
+            <a:ext cx="6432120" cy="350280"/>
           </a:xfrm>
           <a:prstGeom prst="rect">
             <a:avLst/>
@@ -18917,7 +18929,7 @@
         <p:spPr>
           <a:xfrm>
             <a:off x="327960" y="1553760"/>
-            <a:ext cx="9194760" cy="5129280"/>
+            <a:ext cx="9194400" cy="5128920"/>
           </a:xfrm>
           <a:prstGeom prst="rect">
             <a:avLst/>
@@ -19236,7 +19248,7 @@
         <p:spPr>
           <a:xfrm>
             <a:off x="7603920" y="6922080"/>
-            <a:ext cx="1827000" cy="357120"/>
+            <a:ext cx="1826640" cy="356760"/>
           </a:xfrm>
           <a:prstGeom prst="rect">
             <a:avLst/>
@@ -19295,7 +19307,7 @@
         <p:spPr>
           <a:xfrm>
             <a:off x="1799640" y="2327400"/>
-            <a:ext cx="3059280" cy="1092240"/>
+            <a:ext cx="3058920" cy="1091880"/>
           </a:xfrm>
           <a:prstGeom prst="rect">
             <a:avLst/>
@@ -19344,7 +19356,7 @@
         <p:spPr>
           <a:xfrm>
             <a:off x="359640" y="360000"/>
-            <a:ext cx="9344880" cy="885600"/>
+            <a:ext cx="9344520" cy="885240"/>
           </a:xfrm>
           <a:prstGeom prst="rect">
             <a:avLst/>
@@ -19396,7 +19408,7 @@
         <p:spPr>
           <a:xfrm>
             <a:off x="896760" y="6886080"/>
-            <a:ext cx="6432480" cy="350640"/>
+            <a:ext cx="6432120" cy="350280"/>
           </a:xfrm>
           <a:prstGeom prst="rect">
             <a:avLst/>
@@ -19455,7 +19467,7 @@
         <p:spPr>
           <a:xfrm>
             <a:off x="1007640" y="3144960"/>
-            <a:ext cx="1979640" cy="706680"/>
+            <a:ext cx="1979280" cy="706320"/>
           </a:xfrm>
           <a:prstGeom prst="rect">
             <a:avLst/>
@@ -19474,7 +19486,7 @@
         <p:spPr>
           <a:xfrm>
             <a:off x="327960" y="1553760"/>
-            <a:ext cx="9194760" cy="5129280"/>
+            <a:ext cx="9194400" cy="5128920"/>
           </a:xfrm>
           <a:prstGeom prst="rect">
             <a:avLst/>
@@ -19958,7 +19970,7 @@
         <p:spPr>
           <a:xfrm>
             <a:off x="7603920" y="6922080"/>
-            <a:ext cx="1827000" cy="357120"/>
+            <a:ext cx="1826640" cy="356760"/>
           </a:xfrm>
           <a:prstGeom prst="rect">
             <a:avLst/>
@@ -20015,8 +20027,8 @@
         </p:blipFill>
         <p:spPr>
           <a:xfrm rot="16198200">
-            <a:off x="7542720" y="1963800"/>
-            <a:ext cx="1619640" cy="1653120"/>
+            <a:off x="7542720" y="1964160"/>
+            <a:ext cx="1619280" cy="1652760"/>
           </a:xfrm>
           <a:prstGeom prst="rect">
             <a:avLst/>
@@ -20041,7 +20053,7 @@
         <p:spPr>
           <a:xfrm>
             <a:off x="7199280" y="3960000"/>
-            <a:ext cx="2323800" cy="2360880"/>
+            <a:ext cx="2323440" cy="2360520"/>
           </a:xfrm>
           <a:prstGeom prst="rect">
             <a:avLst/>
@@ -20090,7 +20102,7 @@
         <p:spPr>
           <a:xfrm>
             <a:off x="359640" y="360000"/>
-            <a:ext cx="9344880" cy="885600"/>
+            <a:ext cx="9344520" cy="885240"/>
           </a:xfrm>
           <a:prstGeom prst="rect">
             <a:avLst/>
@@ -20142,7 +20154,7 @@
         <p:spPr>
           <a:xfrm>
             <a:off x="896760" y="6886080"/>
-            <a:ext cx="6432480" cy="350640"/>
+            <a:ext cx="6432120" cy="350280"/>
           </a:xfrm>
           <a:prstGeom prst="rect">
             <a:avLst/>
@@ -20194,7 +20206,7 @@
         <p:spPr>
           <a:xfrm>
             <a:off x="327960" y="1553760"/>
-            <a:ext cx="9194760" cy="5129280"/>
+            <a:ext cx="9194400" cy="5128920"/>
           </a:xfrm>
           <a:prstGeom prst="rect">
             <a:avLst/>
@@ -20804,7 +20816,7 @@
         <p:spPr>
           <a:xfrm>
             <a:off x="7603920" y="6922080"/>
-            <a:ext cx="1827000" cy="357120"/>
+            <a:ext cx="1826640" cy="356760"/>
           </a:xfrm>
           <a:prstGeom prst="rect">
             <a:avLst/>

--- a/AprendizadoMaquina/Tópico 02 - Aprendizado Supervisionado/ARVORES DECISÃO/Tópico 02 - Aprendizado-Supervisionado - Arvores.pptx
+++ b/AprendizadoMaquina/Tópico 02 - Aprendizado Supervisionado/ARVORES DECISÃO/Tópico 02 - Aprendizado-Supervisionado - Arvores.pptx
@@ -309,7 +309,7 @@
             <a:pPr algn="r">
               <a:buNone/>
             </a:pPr>
-            <a:fld id="{B221D899-5AC8-4BDA-AC24-7F9649C64E74}" type="slidenum">
+            <a:fld id="{0DF69487-C27F-452F-9666-9B995EC43D6A}" type="slidenum">
               <a:rPr b="0" lang="pt-BR" sz="1400" spc="-1" strike="noStrike">
                 <a:latin typeface="Times New Roman"/>
               </a:rPr>
@@ -357,7 +357,7 @@
         <p:spPr>
           <a:xfrm>
             <a:off x="1376280" y="1336680"/>
-            <a:ext cx="4799520" cy="3599280"/>
+            <a:ext cx="4799160" cy="3598920"/>
           </a:xfrm>
           <a:prstGeom prst="rect">
             <a:avLst/>
@@ -380,7 +380,7 @@
         <p:spPr>
           <a:xfrm>
             <a:off x="756000" y="5145120"/>
-            <a:ext cx="6039720" cy="4201920"/>
+            <a:ext cx="6039360" cy="4201560"/>
           </a:xfrm>
           <a:prstGeom prst="rect">
             <a:avLst/>
@@ -410,7 +410,7 @@
         <p:spPr>
           <a:xfrm>
             <a:off x="0" y="10155240"/>
-            <a:ext cx="3268080" cy="528480"/>
+            <a:ext cx="3267720" cy="528120"/>
           </a:xfrm>
           <a:prstGeom prst="rect">
             <a:avLst/>
@@ -488,7 +488,7 @@
         <p:spPr>
           <a:xfrm>
             <a:off x="1376280" y="1336680"/>
-            <a:ext cx="4799520" cy="3599280"/>
+            <a:ext cx="4799160" cy="3598920"/>
           </a:xfrm>
           <a:prstGeom prst="rect">
             <a:avLst/>
@@ -511,7 +511,7 @@
         <p:spPr>
           <a:xfrm>
             <a:off x="756000" y="5145120"/>
-            <a:ext cx="6039720" cy="4201920"/>
+            <a:ext cx="6039360" cy="4201560"/>
           </a:xfrm>
           <a:prstGeom prst="rect">
             <a:avLst/>
@@ -541,7 +541,7 @@
         <p:spPr>
           <a:xfrm>
             <a:off x="0" y="10155240"/>
-            <a:ext cx="3268080" cy="528480"/>
+            <a:ext cx="3267720" cy="528120"/>
           </a:xfrm>
           <a:prstGeom prst="rect">
             <a:avLst/>
@@ -619,7 +619,7 @@
         <p:spPr>
           <a:xfrm>
             <a:off x="1376280" y="1336680"/>
-            <a:ext cx="4799520" cy="3599280"/>
+            <a:ext cx="4799160" cy="3598920"/>
           </a:xfrm>
           <a:prstGeom prst="rect">
             <a:avLst/>
@@ -642,7 +642,7 @@
         <p:spPr>
           <a:xfrm>
             <a:off x="756000" y="5145120"/>
-            <a:ext cx="6039720" cy="4201920"/>
+            <a:ext cx="6039360" cy="4201560"/>
           </a:xfrm>
           <a:prstGeom prst="rect">
             <a:avLst/>
@@ -672,7 +672,7 @@
         <p:spPr>
           <a:xfrm>
             <a:off x="0" y="10155240"/>
-            <a:ext cx="3268080" cy="528480"/>
+            <a:ext cx="3267720" cy="528120"/>
           </a:xfrm>
           <a:prstGeom prst="rect">
             <a:avLst/>
@@ -750,7 +750,7 @@
         <p:spPr>
           <a:xfrm>
             <a:off x="1376280" y="1336680"/>
-            <a:ext cx="4799520" cy="3599280"/>
+            <a:ext cx="4799160" cy="3598920"/>
           </a:xfrm>
           <a:prstGeom prst="rect">
             <a:avLst/>
@@ -773,7 +773,7 @@
         <p:spPr>
           <a:xfrm>
             <a:off x="756000" y="5145120"/>
-            <a:ext cx="6039720" cy="4201920"/>
+            <a:ext cx="6039360" cy="4201560"/>
           </a:xfrm>
           <a:prstGeom prst="rect">
             <a:avLst/>
@@ -803,7 +803,7 @@
         <p:spPr>
           <a:xfrm>
             <a:off x="0" y="10155240"/>
-            <a:ext cx="3268080" cy="528480"/>
+            <a:ext cx="3267720" cy="528120"/>
           </a:xfrm>
           <a:prstGeom prst="rect">
             <a:avLst/>
@@ -881,7 +881,7 @@
         <p:spPr>
           <a:xfrm>
             <a:off x="1376280" y="1336680"/>
-            <a:ext cx="4799520" cy="3599280"/>
+            <a:ext cx="4799160" cy="3598920"/>
           </a:xfrm>
           <a:prstGeom prst="rect">
             <a:avLst/>
@@ -904,7 +904,7 @@
         <p:spPr>
           <a:xfrm>
             <a:off x="756000" y="5145120"/>
-            <a:ext cx="6039720" cy="4201920"/>
+            <a:ext cx="6039360" cy="4201560"/>
           </a:xfrm>
           <a:prstGeom prst="rect">
             <a:avLst/>
@@ -934,7 +934,7 @@
         <p:spPr>
           <a:xfrm>
             <a:off x="0" y="10155240"/>
-            <a:ext cx="3268080" cy="528480"/>
+            <a:ext cx="3267720" cy="528120"/>
           </a:xfrm>
           <a:prstGeom prst="rect">
             <a:avLst/>
@@ -1012,7 +1012,7 @@
         <p:spPr>
           <a:xfrm>
             <a:off x="1376280" y="1336680"/>
-            <a:ext cx="4799520" cy="3599280"/>
+            <a:ext cx="4799160" cy="3598920"/>
           </a:xfrm>
           <a:prstGeom prst="rect">
             <a:avLst/>
@@ -1035,7 +1035,7 @@
         <p:spPr>
           <a:xfrm>
             <a:off x="756000" y="5145120"/>
-            <a:ext cx="6039720" cy="4201920"/>
+            <a:ext cx="6039360" cy="4201560"/>
           </a:xfrm>
           <a:prstGeom prst="rect">
             <a:avLst/>
@@ -1065,7 +1065,7 @@
         <p:spPr>
           <a:xfrm>
             <a:off x="0" y="10155240"/>
-            <a:ext cx="3268080" cy="528480"/>
+            <a:ext cx="3267720" cy="528120"/>
           </a:xfrm>
           <a:prstGeom prst="rect">
             <a:avLst/>
@@ -1143,7 +1143,7 @@
         <p:spPr>
           <a:xfrm>
             <a:off x="1376280" y="1336680"/>
-            <a:ext cx="4799520" cy="3599280"/>
+            <a:ext cx="4799160" cy="3598920"/>
           </a:xfrm>
           <a:prstGeom prst="rect">
             <a:avLst/>
@@ -1166,7 +1166,7 @@
         <p:spPr>
           <a:xfrm>
             <a:off x="756000" y="5145120"/>
-            <a:ext cx="6039720" cy="4201920"/>
+            <a:ext cx="6039360" cy="4201560"/>
           </a:xfrm>
           <a:prstGeom prst="rect">
             <a:avLst/>
@@ -1196,7 +1196,7 @@
         <p:spPr>
           <a:xfrm>
             <a:off x="0" y="10155240"/>
-            <a:ext cx="3268080" cy="528480"/>
+            <a:ext cx="3267720" cy="528120"/>
           </a:xfrm>
           <a:prstGeom prst="rect">
             <a:avLst/>
@@ -1274,7 +1274,7 @@
         <p:spPr>
           <a:xfrm>
             <a:off x="1376280" y="1336680"/>
-            <a:ext cx="4799520" cy="3599280"/>
+            <a:ext cx="4799160" cy="3598920"/>
           </a:xfrm>
           <a:prstGeom prst="rect">
             <a:avLst/>
@@ -1297,7 +1297,7 @@
         <p:spPr>
           <a:xfrm>
             <a:off x="756000" y="5145120"/>
-            <a:ext cx="6039720" cy="4201920"/>
+            <a:ext cx="6039360" cy="4201560"/>
           </a:xfrm>
           <a:prstGeom prst="rect">
             <a:avLst/>
@@ -1327,7 +1327,7 @@
         <p:spPr>
           <a:xfrm>
             <a:off x="0" y="10155240"/>
-            <a:ext cx="3268080" cy="528480"/>
+            <a:ext cx="3267720" cy="528120"/>
           </a:xfrm>
           <a:prstGeom prst="rect">
             <a:avLst/>
@@ -1405,7 +1405,7 @@
         <p:spPr>
           <a:xfrm>
             <a:off x="1376280" y="1336680"/>
-            <a:ext cx="4799520" cy="3599280"/>
+            <a:ext cx="4799160" cy="3598920"/>
           </a:xfrm>
           <a:prstGeom prst="rect">
             <a:avLst/>
@@ -1428,7 +1428,7 @@
         <p:spPr>
           <a:xfrm>
             <a:off x="756000" y="5145120"/>
-            <a:ext cx="6039720" cy="4201920"/>
+            <a:ext cx="6039360" cy="4201560"/>
           </a:xfrm>
           <a:prstGeom prst="rect">
             <a:avLst/>
@@ -1458,7 +1458,7 @@
         <p:spPr>
           <a:xfrm>
             <a:off x="0" y="10155240"/>
-            <a:ext cx="3268080" cy="528480"/>
+            <a:ext cx="3267720" cy="528120"/>
           </a:xfrm>
           <a:prstGeom prst="rect">
             <a:avLst/>
@@ -1536,7 +1536,7 @@
         <p:spPr>
           <a:xfrm>
             <a:off x="1376280" y="1336680"/>
-            <a:ext cx="4799520" cy="3599280"/>
+            <a:ext cx="4799160" cy="3598920"/>
           </a:xfrm>
           <a:prstGeom prst="rect">
             <a:avLst/>
@@ -1559,7 +1559,7 @@
         <p:spPr>
           <a:xfrm>
             <a:off x="756000" y="5145120"/>
-            <a:ext cx="6039720" cy="4201920"/>
+            <a:ext cx="6039360" cy="4201560"/>
           </a:xfrm>
           <a:prstGeom prst="rect">
             <a:avLst/>
@@ -1589,7 +1589,7 @@
         <p:spPr>
           <a:xfrm>
             <a:off x="0" y="10155240"/>
-            <a:ext cx="3268080" cy="528480"/>
+            <a:ext cx="3267720" cy="528120"/>
           </a:xfrm>
           <a:prstGeom prst="rect">
             <a:avLst/>
@@ -1667,7 +1667,7 @@
         <p:spPr>
           <a:xfrm>
             <a:off x="1376280" y="1336680"/>
-            <a:ext cx="4799520" cy="3599280"/>
+            <a:ext cx="4799160" cy="3598920"/>
           </a:xfrm>
           <a:prstGeom prst="rect">
             <a:avLst/>
@@ -1690,7 +1690,7 @@
         <p:spPr>
           <a:xfrm>
             <a:off x="756000" y="5145120"/>
-            <a:ext cx="6039720" cy="4201920"/>
+            <a:ext cx="6039360" cy="4201560"/>
           </a:xfrm>
           <a:prstGeom prst="rect">
             <a:avLst/>
@@ -1720,7 +1720,7 @@
         <p:spPr>
           <a:xfrm>
             <a:off x="0" y="10155240"/>
-            <a:ext cx="3268080" cy="528480"/>
+            <a:ext cx="3267720" cy="528120"/>
           </a:xfrm>
           <a:prstGeom prst="rect">
             <a:avLst/>
@@ -1798,7 +1798,7 @@
         <p:spPr>
           <a:xfrm>
             <a:off x="1376280" y="1336680"/>
-            <a:ext cx="4799520" cy="3599280"/>
+            <a:ext cx="4799160" cy="3598920"/>
           </a:xfrm>
           <a:prstGeom prst="rect">
             <a:avLst/>
@@ -1821,7 +1821,7 @@
         <p:spPr>
           <a:xfrm>
             <a:off x="756000" y="5145120"/>
-            <a:ext cx="6039720" cy="4201920"/>
+            <a:ext cx="6039360" cy="4201560"/>
           </a:xfrm>
           <a:prstGeom prst="rect">
             <a:avLst/>
@@ -1851,7 +1851,7 @@
         <p:spPr>
           <a:xfrm>
             <a:off x="0" y="10155240"/>
-            <a:ext cx="3268080" cy="528480"/>
+            <a:ext cx="3267720" cy="528120"/>
           </a:xfrm>
           <a:prstGeom prst="rect">
             <a:avLst/>
@@ -1929,7 +1929,7 @@
         <p:spPr>
           <a:xfrm>
             <a:off x="1376280" y="1336680"/>
-            <a:ext cx="4799520" cy="3599280"/>
+            <a:ext cx="4799160" cy="3598920"/>
           </a:xfrm>
           <a:prstGeom prst="rect">
             <a:avLst/>
@@ -1952,7 +1952,7 @@
         <p:spPr>
           <a:xfrm>
             <a:off x="756000" y="5145120"/>
-            <a:ext cx="6039720" cy="4201920"/>
+            <a:ext cx="6039360" cy="4201560"/>
           </a:xfrm>
           <a:prstGeom prst="rect">
             <a:avLst/>
@@ -1982,7 +1982,7 @@
         <p:spPr>
           <a:xfrm>
             <a:off x="0" y="10155240"/>
-            <a:ext cx="3268080" cy="528480"/>
+            <a:ext cx="3267720" cy="528120"/>
           </a:xfrm>
           <a:prstGeom prst="rect">
             <a:avLst/>
@@ -2060,7 +2060,7 @@
         <p:spPr>
           <a:xfrm>
             <a:off x="1376280" y="1336680"/>
-            <a:ext cx="4799520" cy="3599280"/>
+            <a:ext cx="4799160" cy="3598920"/>
           </a:xfrm>
           <a:prstGeom prst="rect">
             <a:avLst/>
@@ -2083,7 +2083,7 @@
         <p:spPr>
           <a:xfrm>
             <a:off x="756000" y="5145120"/>
-            <a:ext cx="6039720" cy="4201920"/>
+            <a:ext cx="6039360" cy="4201560"/>
           </a:xfrm>
           <a:prstGeom prst="rect">
             <a:avLst/>
@@ -2113,7 +2113,7 @@
         <p:spPr>
           <a:xfrm>
             <a:off x="0" y="10155240"/>
-            <a:ext cx="3268080" cy="528480"/>
+            <a:ext cx="3267720" cy="528120"/>
           </a:xfrm>
           <a:prstGeom prst="rect">
             <a:avLst/>
@@ -2191,7 +2191,7 @@
         <p:spPr>
           <a:xfrm>
             <a:off x="1376280" y="1336680"/>
-            <a:ext cx="4799520" cy="3599280"/>
+            <a:ext cx="4799160" cy="3598920"/>
           </a:xfrm>
           <a:prstGeom prst="rect">
             <a:avLst/>
@@ -2214,7 +2214,7 @@
         <p:spPr>
           <a:xfrm>
             <a:off x="756000" y="5145120"/>
-            <a:ext cx="6039720" cy="4201920"/>
+            <a:ext cx="6039360" cy="4201560"/>
           </a:xfrm>
           <a:prstGeom prst="rect">
             <a:avLst/>
@@ -2244,7 +2244,7 @@
         <p:spPr>
           <a:xfrm>
             <a:off x="0" y="10155240"/>
-            <a:ext cx="3268080" cy="528480"/>
+            <a:ext cx="3267720" cy="528120"/>
           </a:xfrm>
           <a:prstGeom prst="rect">
             <a:avLst/>
@@ -2322,7 +2322,7 @@
         <p:spPr>
           <a:xfrm>
             <a:off x="1376280" y="1336680"/>
-            <a:ext cx="4799520" cy="3599280"/>
+            <a:ext cx="4799160" cy="3598920"/>
           </a:xfrm>
           <a:prstGeom prst="rect">
             <a:avLst/>
@@ -2345,7 +2345,7 @@
         <p:spPr>
           <a:xfrm>
             <a:off x="756000" y="5145120"/>
-            <a:ext cx="6039720" cy="4201920"/>
+            <a:ext cx="6039360" cy="4201560"/>
           </a:xfrm>
           <a:prstGeom prst="rect">
             <a:avLst/>
@@ -2375,7 +2375,7 @@
         <p:spPr>
           <a:xfrm>
             <a:off x="0" y="10155240"/>
-            <a:ext cx="3268080" cy="528480"/>
+            <a:ext cx="3267720" cy="528120"/>
           </a:xfrm>
           <a:prstGeom prst="rect">
             <a:avLst/>
@@ -2453,7 +2453,7 @@
         <p:spPr>
           <a:xfrm>
             <a:off x="1376280" y="1336680"/>
-            <a:ext cx="4799520" cy="3599280"/>
+            <a:ext cx="4799160" cy="3598920"/>
           </a:xfrm>
           <a:prstGeom prst="rect">
             <a:avLst/>
@@ -2476,7 +2476,7 @@
         <p:spPr>
           <a:xfrm>
             <a:off x="756000" y="5145120"/>
-            <a:ext cx="6039720" cy="4201920"/>
+            <a:ext cx="6039360" cy="4201560"/>
           </a:xfrm>
           <a:prstGeom prst="rect">
             <a:avLst/>
@@ -2506,7 +2506,7 @@
         <p:spPr>
           <a:xfrm>
             <a:off x="0" y="10155240"/>
-            <a:ext cx="3268080" cy="528480"/>
+            <a:ext cx="3267720" cy="528120"/>
           </a:xfrm>
           <a:prstGeom prst="rect">
             <a:avLst/>
@@ -5635,7 +5635,7 @@
         <p:spPr>
           <a:xfrm>
             <a:off x="0" y="3150000"/>
-            <a:ext cx="9712080" cy="1252080"/>
+            <a:ext cx="9711720" cy="1251720"/>
           </a:xfrm>
           <a:prstGeom prst="rect">
             <a:avLst/>
@@ -5933,7 +5933,7 @@
         <p:spPr>
           <a:xfrm>
             <a:off x="0" y="180000"/>
-            <a:ext cx="9712080" cy="1252080"/>
+            <a:ext cx="9711720" cy="1251720"/>
           </a:xfrm>
           <a:prstGeom prst="rect">
             <a:avLst/>
@@ -5961,7 +5961,7 @@
         <p:spPr>
           <a:xfrm>
             <a:off x="7560000" y="6840000"/>
-            <a:ext cx="2512080" cy="532080"/>
+            <a:ext cx="2511720" cy="531720"/>
           </a:xfrm>
           <a:prstGeom prst="rect">
             <a:avLst/>
@@ -5989,7 +5989,7 @@
         <p:spPr>
           <a:xfrm>
             <a:off x="900000" y="6840000"/>
-            <a:ext cx="6472080" cy="532080"/>
+            <a:ext cx="6471720" cy="531720"/>
           </a:xfrm>
           <a:prstGeom prst="rect">
             <a:avLst/>
@@ -6017,7 +6017,7 @@
         <p:spPr>
           <a:xfrm>
             <a:off x="180000" y="6840000"/>
-            <a:ext cx="532080" cy="532080"/>
+            <a:ext cx="531720" cy="531720"/>
           </a:xfrm>
           <a:prstGeom prst="rect">
             <a:avLst/>
@@ -6306,7 +6306,7 @@
         <p:spPr>
           <a:xfrm>
             <a:off x="360000" y="3330000"/>
-            <a:ext cx="9352080" cy="892080"/>
+            <a:ext cx="9351720" cy="891720"/>
           </a:xfrm>
           <a:prstGeom prst="rect">
             <a:avLst/>
@@ -6358,7 +6358,7 @@
         <p:spPr>
           <a:xfrm>
             <a:off x="540000" y="4680000"/>
-            <a:ext cx="9172080" cy="2512080"/>
+            <a:ext cx="9171720" cy="2511720"/>
           </a:xfrm>
           <a:prstGeom prst="rect">
             <a:avLst/>
@@ -6597,7 +6597,7 @@
         <p:spPr>
           <a:xfrm>
             <a:off x="360000" y="360000"/>
-            <a:ext cx="9352080" cy="892080"/>
+            <a:ext cx="9351720" cy="891720"/>
           </a:xfrm>
           <a:prstGeom prst="rect">
             <a:avLst/>
@@ -6649,7 +6649,7 @@
         <p:spPr>
           <a:xfrm>
             <a:off x="360000" y="1980000"/>
-            <a:ext cx="9172080" cy="4672080"/>
+            <a:ext cx="9171720" cy="4671720"/>
           </a:xfrm>
           <a:prstGeom prst="rect">
             <a:avLst/>
@@ -6708,7 +6708,7 @@
         <p:spPr>
           <a:xfrm>
             <a:off x="897120" y="6886080"/>
-            <a:ext cx="6439320" cy="357120"/>
+            <a:ext cx="6438960" cy="356760"/>
           </a:xfrm>
           <a:prstGeom prst="rect">
             <a:avLst/>
@@ -6760,7 +6760,7 @@
         <p:spPr>
           <a:xfrm>
             <a:off x="7608600" y="6886080"/>
-            <a:ext cx="2277360" cy="357120"/>
+            <a:ext cx="2277000" cy="356760"/>
           </a:xfrm>
           <a:prstGeom prst="rect">
             <a:avLst/>
@@ -6812,7 +6812,7 @@
         <p:spPr>
           <a:xfrm>
             <a:off x="327960" y="1553760"/>
-            <a:ext cx="9193320" cy="5127840"/>
+            <a:ext cx="9192960" cy="5127480"/>
           </a:xfrm>
           <a:prstGeom prst="rect">
             <a:avLst/>
@@ -7180,7 +7180,7 @@
         <p:spPr>
           <a:xfrm>
             <a:off x="360000" y="360000"/>
-            <a:ext cx="9352080" cy="892080"/>
+            <a:ext cx="9351720" cy="891720"/>
           </a:xfrm>
           <a:prstGeom prst="rect">
             <a:avLst/>
@@ -7232,7 +7232,7 @@
         <p:spPr>
           <a:xfrm>
             <a:off x="360000" y="1980000"/>
-            <a:ext cx="9172080" cy="4672080"/>
+            <a:ext cx="9171720" cy="4671720"/>
           </a:xfrm>
           <a:prstGeom prst="rect">
             <a:avLst/>
@@ -7291,7 +7291,7 @@
         <p:spPr>
           <a:xfrm>
             <a:off x="897120" y="6886080"/>
-            <a:ext cx="6439320" cy="357120"/>
+            <a:ext cx="6438960" cy="356760"/>
           </a:xfrm>
           <a:prstGeom prst="rect">
             <a:avLst/>
@@ -7343,7 +7343,7 @@
         <p:spPr>
           <a:xfrm>
             <a:off x="7608600" y="6886080"/>
-            <a:ext cx="2277360" cy="357120"/>
+            <a:ext cx="2277000" cy="356760"/>
           </a:xfrm>
           <a:prstGeom prst="rect">
             <a:avLst/>
@@ -7395,7 +7395,7 @@
         <p:spPr>
           <a:xfrm>
             <a:off x="327600" y="1553760"/>
-            <a:ext cx="9193320" cy="5127840"/>
+            <a:ext cx="9192960" cy="5127480"/>
           </a:xfrm>
           <a:prstGeom prst="rect">
             <a:avLst/>
@@ -7663,7 +7663,7 @@
         <p:spPr>
           <a:xfrm>
             <a:off x="3501720" y="1623960"/>
-            <a:ext cx="6265080" cy="354240"/>
+            <a:ext cx="6264720" cy="353880"/>
           </a:xfrm>
           <a:prstGeom prst="rect">
             <a:avLst/>
@@ -7719,7 +7719,7 @@
         <p:spPr>
           <a:xfrm>
             <a:off x="5984280" y="1973520"/>
-            <a:ext cx="3584520" cy="4802040"/>
+            <a:ext cx="3584160" cy="4801680"/>
           </a:xfrm>
           <a:prstGeom prst="rect">
             <a:avLst/>
@@ -7768,7 +7768,7 @@
         <p:spPr>
           <a:xfrm>
             <a:off x="360000" y="360000"/>
-            <a:ext cx="9352080" cy="892080"/>
+            <a:ext cx="9351720" cy="891720"/>
           </a:xfrm>
           <a:prstGeom prst="rect">
             <a:avLst/>
@@ -7820,7 +7820,7 @@
         <p:spPr>
           <a:xfrm>
             <a:off x="360000" y="1980000"/>
-            <a:ext cx="9172080" cy="4672080"/>
+            <a:ext cx="9171720" cy="4671720"/>
           </a:xfrm>
           <a:prstGeom prst="rect">
             <a:avLst/>
@@ -7879,7 +7879,7 @@
         <p:spPr>
           <a:xfrm>
             <a:off x="897120" y="6886080"/>
-            <a:ext cx="6439320" cy="357120"/>
+            <a:ext cx="6438960" cy="356760"/>
           </a:xfrm>
           <a:prstGeom prst="rect">
             <a:avLst/>
@@ -7931,7 +7931,7 @@
         <p:spPr>
           <a:xfrm>
             <a:off x="7608600" y="6886080"/>
-            <a:ext cx="2277360" cy="357120"/>
+            <a:ext cx="2277000" cy="356760"/>
           </a:xfrm>
           <a:prstGeom prst="rect">
             <a:avLst/>
@@ -7983,7 +7983,7 @@
         <p:spPr>
           <a:xfrm>
             <a:off x="327600" y="1553760"/>
-            <a:ext cx="9193320" cy="5127840"/>
+            <a:ext cx="9192960" cy="5127480"/>
           </a:xfrm>
           <a:prstGeom prst="rect">
             <a:avLst/>
@@ -8437,7 +8437,7 @@
         <p:spPr>
           <a:xfrm>
             <a:off x="6247080" y="2325600"/>
-            <a:ext cx="3321720" cy="4449960"/>
+            <a:ext cx="3321360" cy="4449600"/>
           </a:xfrm>
           <a:prstGeom prst="rect">
             <a:avLst/>
@@ -8456,7 +8456,7 @@
         <p:spPr>
           <a:xfrm>
             <a:off x="3501720" y="1623960"/>
-            <a:ext cx="6265080" cy="354240"/>
+            <a:ext cx="6264720" cy="353880"/>
           </a:xfrm>
           <a:prstGeom prst="rect">
             <a:avLst/>
@@ -8538,7 +8538,7 @@
         <p:spPr>
           <a:xfrm>
             <a:off x="360000" y="360000"/>
-            <a:ext cx="9352080" cy="892080"/>
+            <a:ext cx="9351720" cy="891720"/>
           </a:xfrm>
           <a:prstGeom prst="rect">
             <a:avLst/>
@@ -8590,7 +8590,7 @@
         <p:spPr>
           <a:xfrm>
             <a:off x="897120" y="6886080"/>
-            <a:ext cx="6439320" cy="357120"/>
+            <a:ext cx="6438960" cy="356760"/>
           </a:xfrm>
           <a:prstGeom prst="rect">
             <a:avLst/>
@@ -8642,7 +8642,7 @@
         <p:spPr>
           <a:xfrm>
             <a:off x="7608600" y="6886080"/>
-            <a:ext cx="2277360" cy="357120"/>
+            <a:ext cx="2277000" cy="356760"/>
           </a:xfrm>
           <a:prstGeom prst="rect">
             <a:avLst/>
@@ -8694,7 +8694,7 @@
         <p:spPr>
           <a:xfrm>
             <a:off x="327600" y="1553760"/>
-            <a:ext cx="9193320" cy="5127840"/>
+            <a:ext cx="9192960" cy="5127480"/>
           </a:xfrm>
           <a:prstGeom prst="rect">
             <a:avLst/>
@@ -9188,7 +9188,7 @@
         <p:spPr>
           <a:xfrm>
             <a:off x="6463800" y="2325600"/>
-            <a:ext cx="3105000" cy="4159440"/>
+            <a:ext cx="3104640" cy="4159080"/>
           </a:xfrm>
           <a:prstGeom prst="rect">
             <a:avLst/>
@@ -9207,7 +9207,7 @@
         <p:spPr>
           <a:xfrm>
             <a:off x="3501720" y="1623960"/>
-            <a:ext cx="6265080" cy="354240"/>
+            <a:ext cx="6264720" cy="353880"/>
           </a:xfrm>
           <a:prstGeom prst="rect">
             <a:avLst/>
@@ -9289,7 +9289,7 @@
         <p:spPr>
           <a:xfrm>
             <a:off x="360000" y="360000"/>
-            <a:ext cx="9352080" cy="892080"/>
+            <a:ext cx="9351720" cy="891720"/>
           </a:xfrm>
           <a:prstGeom prst="rect">
             <a:avLst/>
@@ -9341,7 +9341,7 @@
         <p:spPr>
           <a:xfrm>
             <a:off x="360000" y="1980000"/>
-            <a:ext cx="9172080" cy="4672080"/>
+            <a:ext cx="9171720" cy="4671720"/>
           </a:xfrm>
           <a:prstGeom prst="rect">
             <a:avLst/>
@@ -9400,7 +9400,7 @@
         <p:spPr>
           <a:xfrm>
             <a:off x="897120" y="6886080"/>
-            <a:ext cx="6439320" cy="357120"/>
+            <a:ext cx="6438960" cy="356760"/>
           </a:xfrm>
           <a:prstGeom prst="rect">
             <a:avLst/>
@@ -9452,7 +9452,7 @@
         <p:spPr>
           <a:xfrm>
             <a:off x="7608600" y="6886080"/>
-            <a:ext cx="2277360" cy="357120"/>
+            <a:ext cx="2277000" cy="356760"/>
           </a:xfrm>
           <a:prstGeom prst="rect">
             <a:avLst/>
@@ -9504,7 +9504,7 @@
         <p:spPr>
           <a:xfrm>
             <a:off x="327960" y="1553760"/>
-            <a:ext cx="9193320" cy="5127840"/>
+            <a:ext cx="9192960" cy="5127480"/>
           </a:xfrm>
           <a:prstGeom prst="rect">
             <a:avLst/>
@@ -9588,16 +9588,11 @@
             </a:endParaRPr>
           </a:p>
           <a:p>
-            <a:pPr lvl="1" marL="432000" indent="-216000">
+            <a:pPr>
               <a:lnSpc>
                 <a:spcPct val="150000"/>
               </a:lnSpc>
-              <a:buClr>
-                <a:srgbClr val="000000"/>
-              </a:buClr>
-              <a:buSzPct val="45000"/>
-              <a:buFont typeface="Wingdings" charset="2"/>
-              <a:buChar char=""/>
+              <a:buNone/>
             </a:pPr>
             <a:r>
               <a:rPr b="0" lang="pt-BR" sz="1800" spc="-1" strike="noStrike">
@@ -9625,16 +9620,11 @@
             </a:endParaRPr>
           </a:p>
           <a:p>
-            <a:pPr marL="216000" indent="-216000">
+            <a:pPr>
               <a:lnSpc>
                 <a:spcPct val="150000"/>
               </a:lnSpc>
-              <a:buClr>
-                <a:srgbClr val="000000"/>
-              </a:buClr>
-              <a:buSzPct val="45000"/>
-              <a:buFont typeface="Wingdings" charset="2"/>
-              <a:buChar char=""/>
+              <a:buNone/>
             </a:pPr>
             <a:r>
               <a:rPr b="0" lang="pt-BR" sz="1800" spc="-1" strike="noStrike">
@@ -9644,8 +9634,29 @@
                 <a:latin typeface="Latin Modern Sans"/>
                 <a:ea typeface="DejaVu Sans"/>
               </a:rPr>
-              <a:t>Logo, Humidity tem mais ganho de informação</a:t>
-            </a:r>
+              <a:t>Logo, </a:t>
+            </a:r>
+            <a:r>
+              <a:rPr b="0" lang="pt-BR" sz="1800" spc="-1" strike="noStrike">
+                <a:solidFill>
+                  <a:srgbClr val="1c1c1c"/>
+                </a:solidFill>
+                <a:latin typeface="Latin Modern Sans"/>
+                <a:ea typeface="DejaVu Sans"/>
+              </a:rPr>
+              <a:t>Outlook tem mais ganho de informação</a:t>
+            </a:r>
+            <a:endParaRPr b="0" lang="pt-BR" sz="1800" spc="-1" strike="noStrike">
+              <a:latin typeface="Arial"/>
+            </a:endParaRPr>
+          </a:p>
+          <a:p>
+            <a:pPr>
+              <a:lnSpc>
+                <a:spcPct val="150000"/>
+              </a:lnSpc>
+              <a:buNone/>
+            </a:pPr>
             <a:endParaRPr b="0" lang="pt-BR" sz="1800" spc="-1" strike="noStrike">
               <a:latin typeface="Arial"/>
             </a:endParaRPr>
@@ -9798,7 +9809,7 @@
         <p:spPr>
           <a:xfrm>
             <a:off x="6275160" y="2185560"/>
-            <a:ext cx="3321720" cy="4449960"/>
+            <a:ext cx="3321360" cy="4449600"/>
           </a:xfrm>
           <a:prstGeom prst="rect">
             <a:avLst/>
@@ -9817,7 +9828,7 @@
         <p:spPr>
           <a:xfrm>
             <a:off x="3501720" y="1623960"/>
-            <a:ext cx="6265080" cy="354240"/>
+            <a:ext cx="6264720" cy="353880"/>
           </a:xfrm>
           <a:prstGeom prst="rect">
             <a:avLst/>
@@ -9899,7 +9910,7 @@
         <p:spPr>
           <a:xfrm>
             <a:off x="360000" y="360000"/>
-            <a:ext cx="9352080" cy="892080"/>
+            <a:ext cx="9351720" cy="891720"/>
           </a:xfrm>
           <a:prstGeom prst="rect">
             <a:avLst/>
@@ -9951,7 +9962,7 @@
         <p:spPr>
           <a:xfrm>
             <a:off x="360000" y="1980000"/>
-            <a:ext cx="9172080" cy="4672080"/>
+            <a:ext cx="9171720" cy="4671720"/>
           </a:xfrm>
           <a:prstGeom prst="rect">
             <a:avLst/>
@@ -10010,7 +10021,7 @@
         <p:spPr>
           <a:xfrm>
             <a:off x="897120" y="6886080"/>
-            <a:ext cx="6439320" cy="357120"/>
+            <a:ext cx="6438960" cy="356760"/>
           </a:xfrm>
           <a:prstGeom prst="rect">
             <a:avLst/>
@@ -10062,7 +10073,7 @@
         <p:spPr>
           <a:xfrm>
             <a:off x="7608600" y="6886080"/>
-            <a:ext cx="2277360" cy="357120"/>
+            <a:ext cx="2277000" cy="356760"/>
           </a:xfrm>
           <a:prstGeom prst="rect">
             <a:avLst/>
@@ -10114,7 +10125,7 @@
         <p:spPr>
           <a:xfrm>
             <a:off x="327960" y="1553760"/>
-            <a:ext cx="9193320" cy="5127840"/>
+            <a:ext cx="9192960" cy="5127480"/>
           </a:xfrm>
           <a:prstGeom prst="rect">
             <a:avLst/>
@@ -10301,7 +10312,7 @@
         <p:spPr>
           <a:xfrm>
             <a:off x="3060000" y="3918600"/>
-            <a:ext cx="4552200" cy="2780640"/>
+            <a:ext cx="4551840" cy="2780280"/>
           </a:xfrm>
           <a:prstGeom prst="rect">
             <a:avLst/>
@@ -10350,7 +10361,7 @@
         <p:spPr>
           <a:xfrm>
             <a:off x="360000" y="360000"/>
-            <a:ext cx="9352080" cy="892080"/>
+            <a:ext cx="9351720" cy="891720"/>
           </a:xfrm>
           <a:prstGeom prst="rect">
             <a:avLst/>
@@ -10402,7 +10413,7 @@
         <p:spPr>
           <a:xfrm>
             <a:off x="360000" y="1980000"/>
-            <a:ext cx="9172080" cy="4672080"/>
+            <a:ext cx="9171720" cy="4671720"/>
           </a:xfrm>
           <a:prstGeom prst="rect">
             <a:avLst/>
@@ -10461,7 +10472,7 @@
         <p:spPr>
           <a:xfrm>
             <a:off x="897120" y="6886080"/>
-            <a:ext cx="6439320" cy="357120"/>
+            <a:ext cx="6438960" cy="356760"/>
           </a:xfrm>
           <a:prstGeom prst="rect">
             <a:avLst/>
@@ -10513,7 +10524,7 @@
         <p:spPr>
           <a:xfrm>
             <a:off x="7608600" y="6886080"/>
-            <a:ext cx="2277360" cy="357120"/>
+            <a:ext cx="2277000" cy="356760"/>
           </a:xfrm>
           <a:prstGeom prst="rect">
             <a:avLst/>
@@ -10565,7 +10576,7 @@
         <p:spPr>
           <a:xfrm>
             <a:off x="327960" y="1553760"/>
-            <a:ext cx="9193320" cy="5127840"/>
+            <a:ext cx="9192960" cy="5127480"/>
           </a:xfrm>
           <a:prstGeom prst="rect">
             <a:avLst/>
@@ -10867,7 +10878,7 @@
         <p:spPr>
           <a:xfrm>
             <a:off x="360000" y="360000"/>
-            <a:ext cx="9352080" cy="892080"/>
+            <a:ext cx="9351720" cy="891720"/>
           </a:xfrm>
           <a:prstGeom prst="rect">
             <a:avLst/>
@@ -10919,7 +10930,7 @@
         <p:spPr>
           <a:xfrm>
             <a:off x="360000" y="1980000"/>
-            <a:ext cx="9172080" cy="4672080"/>
+            <a:ext cx="9171720" cy="4671720"/>
           </a:xfrm>
           <a:prstGeom prst="rect">
             <a:avLst/>
@@ -10978,7 +10989,7 @@
         <p:spPr>
           <a:xfrm>
             <a:off x="897120" y="6886080"/>
-            <a:ext cx="6439320" cy="357120"/>
+            <a:ext cx="6438960" cy="356760"/>
           </a:xfrm>
           <a:prstGeom prst="rect">
             <a:avLst/>
@@ -11030,7 +11041,7 @@
         <p:spPr>
           <a:xfrm>
             <a:off x="7608600" y="6886080"/>
-            <a:ext cx="2277360" cy="357120"/>
+            <a:ext cx="2277000" cy="356760"/>
           </a:xfrm>
           <a:prstGeom prst="rect">
             <a:avLst/>
@@ -11082,7 +11093,7 @@
         <p:spPr>
           <a:xfrm>
             <a:off x="327960" y="1553760"/>
-            <a:ext cx="9193320" cy="5127840"/>
+            <a:ext cx="9192960" cy="5127480"/>
           </a:xfrm>
           <a:prstGeom prst="rect">
             <a:avLst/>
@@ -11255,7 +11266,7 @@
         <p:spPr>
           <a:xfrm>
             <a:off x="360000" y="360000"/>
-            <a:ext cx="9352080" cy="892080"/>
+            <a:ext cx="9351720" cy="891720"/>
           </a:xfrm>
           <a:prstGeom prst="rect">
             <a:avLst/>
@@ -11307,7 +11318,7 @@
         <p:spPr>
           <a:xfrm>
             <a:off x="360000" y="1980000"/>
-            <a:ext cx="9172080" cy="4672080"/>
+            <a:ext cx="9171720" cy="4671720"/>
           </a:xfrm>
           <a:prstGeom prst="rect">
             <a:avLst/>
@@ -11497,7 +11508,7 @@
         <p:spPr>
           <a:xfrm>
             <a:off x="897120" y="6886080"/>
-            <a:ext cx="6439320" cy="357120"/>
+            <a:ext cx="6438960" cy="356760"/>
           </a:xfrm>
           <a:prstGeom prst="rect">
             <a:avLst/>
@@ -11549,7 +11560,7 @@
         <p:spPr>
           <a:xfrm>
             <a:off x="7608600" y="6886080"/>
-            <a:ext cx="2277360" cy="357120"/>
+            <a:ext cx="2277000" cy="356760"/>
           </a:xfrm>
           <a:prstGeom prst="rect">
             <a:avLst/>
@@ -11601,7 +11612,7 @@
         <p:spPr>
           <a:xfrm>
             <a:off x="2520360" y="5508360"/>
-            <a:ext cx="266760" cy="266760"/>
+            <a:ext cx="266400" cy="266400"/>
           </a:xfrm>
           <a:prstGeom prst="ellipse">
             <a:avLst/>
@@ -11631,7 +11642,7 @@
         <p:spPr>
           <a:xfrm>
             <a:off x="2052360" y="5508360"/>
-            <a:ext cx="266760" cy="266760"/>
+            <a:ext cx="266400" cy="266400"/>
           </a:xfrm>
           <a:prstGeom prst="ellipse">
             <a:avLst/>
@@ -11661,7 +11672,7 @@
         <p:spPr>
           <a:xfrm>
             <a:off x="2988720" y="5508360"/>
-            <a:ext cx="266760" cy="266760"/>
+            <a:ext cx="266400" cy="266400"/>
           </a:xfrm>
           <a:prstGeom prst="ellipse">
             <a:avLst/>
@@ -11695,7 +11706,7 @@
         <p:spPr>
           <a:xfrm>
             <a:off x="1523880" y="3819240"/>
-            <a:ext cx="7428960" cy="2218680"/>
+            <a:ext cx="7428600" cy="2218320"/>
           </a:xfrm>
           <a:prstGeom prst="rect">
             <a:avLst/>
@@ -11748,7 +11759,7 @@
         <p:spPr>
           <a:xfrm>
             <a:off x="784080" y="4832640"/>
-            <a:ext cx="4132440" cy="1846800"/>
+            <a:ext cx="4132080" cy="1846440"/>
           </a:xfrm>
           <a:prstGeom prst="rect">
             <a:avLst/>
@@ -11767,7 +11778,7 @@
         <p:spPr>
           <a:xfrm>
             <a:off x="360000" y="360000"/>
-            <a:ext cx="9352080" cy="892080"/>
+            <a:ext cx="9351720" cy="891720"/>
           </a:xfrm>
           <a:prstGeom prst="rect">
             <a:avLst/>
@@ -11819,7 +11830,7 @@
         <p:spPr>
           <a:xfrm>
             <a:off x="360000" y="1980000"/>
-            <a:ext cx="9172080" cy="4672080"/>
+            <a:ext cx="9171720" cy="4671720"/>
           </a:xfrm>
           <a:prstGeom prst="rect">
             <a:avLst/>
@@ -11878,7 +11889,7 @@
         <p:spPr>
           <a:xfrm>
             <a:off x="897120" y="6886080"/>
-            <a:ext cx="6439320" cy="357120"/>
+            <a:ext cx="6438960" cy="356760"/>
           </a:xfrm>
           <a:prstGeom prst="rect">
             <a:avLst/>
@@ -11930,7 +11941,7 @@
         <p:spPr>
           <a:xfrm>
             <a:off x="7608600" y="6886080"/>
-            <a:ext cx="2277360" cy="357120"/>
+            <a:ext cx="2277000" cy="356760"/>
           </a:xfrm>
           <a:prstGeom prst="rect">
             <a:avLst/>
@@ -11982,7 +11993,7 @@
         <p:spPr>
           <a:xfrm>
             <a:off x="342360" y="1529280"/>
-            <a:ext cx="6773400" cy="5361840"/>
+            <a:ext cx="6773040" cy="5361480"/>
           </a:xfrm>
           <a:prstGeom prst="rect">
             <a:avLst/>
@@ -12235,7 +12246,7 @@
         <p:spPr>
           <a:xfrm>
             <a:off x="3754080" y="1667160"/>
-            <a:ext cx="3332880" cy="2887200"/>
+            <a:ext cx="3332520" cy="2886840"/>
           </a:xfrm>
           <a:prstGeom prst="rect">
             <a:avLst/>
@@ -12258,7 +12269,7 @@
         <p:spPr>
           <a:xfrm>
             <a:off x="5310720" y="4656240"/>
-            <a:ext cx="4101480" cy="2055960"/>
+            <a:ext cx="4101120" cy="2055600"/>
           </a:xfrm>
           <a:prstGeom prst="rect">
             <a:avLst/>
@@ -12277,7 +12288,7 @@
         <p:spPr>
           <a:xfrm>
             <a:off x="1596600" y="5505120"/>
-            <a:ext cx="1596960" cy="980280"/>
+            <a:ext cx="1596600" cy="979920"/>
           </a:xfrm>
           <a:custGeom>
             <a:avLst/>
@@ -12341,11 +12352,18 @@
           </a:bodyPr>
           <a:p>
             <a:pPr algn="ctr">
+              <a:lnSpc>
+                <a:spcPct val="100000"/>
+              </a:lnSpc>
               <a:buNone/>
             </a:pPr>
             <a:r>
               <a:rPr b="0" lang="pt-BR" sz="1800" spc="-1" strike="noStrike">
+                <a:solidFill>
+                  <a:srgbClr val="000000"/>
+                </a:solidFill>
                 <a:latin typeface="Arial"/>
+                <a:ea typeface="DejaVu Sans"/>
               </a:rPr>
               <a:t>Atributos </a:t>
             </a:r>
@@ -12355,11 +12373,18 @@
           </a:p>
           <a:p>
             <a:pPr algn="ctr">
+              <a:lnSpc>
+                <a:spcPct val="100000"/>
+              </a:lnSpc>
               <a:buNone/>
             </a:pPr>
             <a:r>
               <a:rPr b="0" lang="pt-BR" sz="1800" spc="-1" strike="noStrike">
+                <a:solidFill>
+                  <a:srgbClr val="000000"/>
+                </a:solidFill>
                 <a:latin typeface="Arial"/>
+                <a:ea typeface="DejaVu Sans"/>
               </a:rPr>
               <a:t>Independ.</a:t>
             </a:r>
@@ -12408,7 +12433,7 @@
         <p:spPr>
           <a:xfrm>
             <a:off x="360000" y="360000"/>
-            <a:ext cx="9352080" cy="892080"/>
+            <a:ext cx="9351720" cy="891720"/>
           </a:xfrm>
           <a:prstGeom prst="rect">
             <a:avLst/>
@@ -12460,7 +12485,7 @@
         <p:spPr>
           <a:xfrm>
             <a:off x="360000" y="1980000"/>
-            <a:ext cx="9172080" cy="4672080"/>
+            <a:ext cx="9171720" cy="4671720"/>
           </a:xfrm>
           <a:prstGeom prst="rect">
             <a:avLst/>
@@ -12519,7 +12544,7 @@
         <p:spPr>
           <a:xfrm>
             <a:off x="897120" y="6886080"/>
-            <a:ext cx="6439320" cy="357120"/>
+            <a:ext cx="6438960" cy="356760"/>
           </a:xfrm>
           <a:prstGeom prst="rect">
             <a:avLst/>
@@ -12571,7 +12596,7 @@
         <p:spPr>
           <a:xfrm>
             <a:off x="7608600" y="6886080"/>
-            <a:ext cx="2277360" cy="357120"/>
+            <a:ext cx="2277000" cy="356760"/>
           </a:xfrm>
           <a:prstGeom prst="rect">
             <a:avLst/>
@@ -12623,7 +12648,7 @@
         <p:spPr>
           <a:xfrm>
             <a:off x="327960" y="1553760"/>
-            <a:ext cx="9193320" cy="5127840"/>
+            <a:ext cx="9192960" cy="5127480"/>
           </a:xfrm>
           <a:prstGeom prst="rect">
             <a:avLst/>
@@ -12754,7 +12779,7 @@
         <p:spPr>
           <a:xfrm>
             <a:off x="2171520" y="2815560"/>
-            <a:ext cx="6133320" cy="3837960"/>
+            <a:ext cx="6132960" cy="3837600"/>
           </a:xfrm>
           <a:prstGeom prst="rect">
             <a:avLst/>
@@ -12807,7 +12832,7 @@
         <p:spPr>
           <a:xfrm>
             <a:off x="5091120" y="3344040"/>
-            <a:ext cx="4552200" cy="2780640"/>
+            <a:ext cx="4551840" cy="2780280"/>
           </a:xfrm>
           <a:prstGeom prst="rect">
             <a:avLst/>
@@ -12826,7 +12851,7 @@
         <p:spPr>
           <a:xfrm>
             <a:off x="360000" y="360000"/>
-            <a:ext cx="9352080" cy="892080"/>
+            <a:ext cx="9351720" cy="891720"/>
           </a:xfrm>
           <a:prstGeom prst="rect">
             <a:avLst/>
@@ -12878,7 +12903,7 @@
         <p:spPr>
           <a:xfrm>
             <a:off x="360000" y="1980000"/>
-            <a:ext cx="9172080" cy="4672080"/>
+            <a:ext cx="9171720" cy="4671720"/>
           </a:xfrm>
           <a:prstGeom prst="rect">
             <a:avLst/>
@@ -12937,7 +12962,7 @@
         <p:spPr>
           <a:xfrm>
             <a:off x="897120" y="6886080"/>
-            <a:ext cx="6439320" cy="357120"/>
+            <a:ext cx="6438960" cy="356760"/>
           </a:xfrm>
           <a:prstGeom prst="rect">
             <a:avLst/>
@@ -12989,7 +13014,7 @@
         <p:spPr>
           <a:xfrm>
             <a:off x="7608600" y="6886080"/>
-            <a:ext cx="2277360" cy="357120"/>
+            <a:ext cx="2277000" cy="356760"/>
           </a:xfrm>
           <a:prstGeom prst="rect">
             <a:avLst/>
@@ -13041,7 +13066,7 @@
         <p:spPr>
           <a:xfrm>
             <a:off x="327960" y="1553760"/>
-            <a:ext cx="9193320" cy="5127840"/>
+            <a:ext cx="9192960" cy="5127480"/>
           </a:xfrm>
           <a:prstGeom prst="rect">
             <a:avLst/>
@@ -13172,7 +13197,7 @@
         <p:spPr>
           <a:xfrm>
             <a:off x="505440" y="2927160"/>
-            <a:ext cx="3652560" cy="3333600"/>
+            <a:ext cx="3652200" cy="3333240"/>
           </a:xfrm>
           <a:prstGeom prst="rect">
             <a:avLst/>
@@ -13191,7 +13216,7 @@
         <p:spPr>
           <a:xfrm>
             <a:off x="4356000" y="3291840"/>
-            <a:ext cx="2283480" cy="602280"/>
+            <a:ext cx="2283120" cy="601920"/>
           </a:xfrm>
           <a:custGeom>
             <a:avLst/>
@@ -13242,11 +13267,18 @@
           </a:bodyPr>
           <a:p>
             <a:pPr algn="ctr">
+              <a:lnSpc>
+                <a:spcPct val="100000"/>
+              </a:lnSpc>
               <a:buNone/>
             </a:pPr>
             <a:r>
               <a:rPr b="0" lang="pt-BR" sz="1800" spc="-1" strike="noStrike">
+                <a:solidFill>
+                  <a:srgbClr val="000000"/>
+                </a:solidFill>
                 <a:latin typeface="Arial"/>
+                <a:ea typeface="DejaVu Sans"/>
               </a:rPr>
               <a:t>???</a:t>
             </a:r>
@@ -13295,7 +13327,7 @@
         <p:spPr>
           <a:xfrm>
             <a:off x="360000" y="360000"/>
-            <a:ext cx="9352080" cy="892080"/>
+            <a:ext cx="9351720" cy="891720"/>
           </a:xfrm>
           <a:prstGeom prst="rect">
             <a:avLst/>
@@ -13347,7 +13379,7 @@
         <p:spPr>
           <a:xfrm>
             <a:off x="360000" y="1980000"/>
-            <a:ext cx="9172080" cy="4672080"/>
+            <a:ext cx="9171720" cy="4671720"/>
           </a:xfrm>
           <a:prstGeom prst="rect">
             <a:avLst/>
@@ -13406,7 +13438,7 @@
         <p:spPr>
           <a:xfrm>
             <a:off x="897120" y="6886080"/>
-            <a:ext cx="6439320" cy="357120"/>
+            <a:ext cx="6438960" cy="356760"/>
           </a:xfrm>
           <a:prstGeom prst="rect">
             <a:avLst/>
@@ -13458,7 +13490,7 @@
         <p:spPr>
           <a:xfrm>
             <a:off x="7608600" y="6886080"/>
-            <a:ext cx="2277360" cy="357120"/>
+            <a:ext cx="2277000" cy="356760"/>
           </a:xfrm>
           <a:prstGeom prst="rect">
             <a:avLst/>
@@ -13510,7 +13542,7 @@
         <p:spPr>
           <a:xfrm>
             <a:off x="327960" y="1553760"/>
-            <a:ext cx="9193320" cy="5127840"/>
+            <a:ext cx="9192960" cy="5127480"/>
           </a:xfrm>
           <a:prstGeom prst="rect">
             <a:avLst/>
@@ -13741,7 +13773,7 @@
         <p:spPr>
           <a:xfrm>
             <a:off x="1345680" y="3785400"/>
-            <a:ext cx="2775240" cy="780840"/>
+            <a:ext cx="2774880" cy="780480"/>
           </a:xfrm>
           <a:prstGeom prst="rect">
             <a:avLst/>
@@ -13790,7 +13822,7 @@
         <p:spPr>
           <a:xfrm>
             <a:off x="360000" y="360000"/>
-            <a:ext cx="9352080" cy="892080"/>
+            <a:ext cx="9351720" cy="891720"/>
           </a:xfrm>
           <a:prstGeom prst="rect">
             <a:avLst/>
@@ -13842,7 +13874,7 @@
         <p:spPr>
           <a:xfrm>
             <a:off x="360000" y="1980000"/>
-            <a:ext cx="9172080" cy="4672080"/>
+            <a:ext cx="9171720" cy="4671720"/>
           </a:xfrm>
           <a:prstGeom prst="rect">
             <a:avLst/>
@@ -13901,7 +13933,7 @@
         <p:spPr>
           <a:xfrm>
             <a:off x="897120" y="6886080"/>
-            <a:ext cx="6439320" cy="357120"/>
+            <a:ext cx="6438960" cy="356760"/>
           </a:xfrm>
           <a:prstGeom prst="rect">
             <a:avLst/>
@@ -13953,7 +13985,7 @@
         <p:spPr>
           <a:xfrm>
             <a:off x="7608600" y="6886080"/>
-            <a:ext cx="2277360" cy="357120"/>
+            <a:ext cx="2277000" cy="356760"/>
           </a:xfrm>
           <a:prstGeom prst="rect">
             <a:avLst/>
@@ -14005,7 +14037,7 @@
         <p:spPr>
           <a:xfrm>
             <a:off x="327960" y="1517760"/>
-            <a:ext cx="9193320" cy="5127840"/>
+            <a:ext cx="9192960" cy="5127480"/>
           </a:xfrm>
           <a:prstGeom prst="rect">
             <a:avLst/>
@@ -14354,7 +14386,7 @@
         <p:spPr>
           <a:xfrm>
             <a:off x="757440" y="2510640"/>
-            <a:ext cx="2775240" cy="780840"/>
+            <a:ext cx="2774880" cy="780480"/>
           </a:xfrm>
           <a:prstGeom prst="rect">
             <a:avLst/>
@@ -14408,7 +14440,7 @@
         <p:spPr>
           <a:xfrm>
             <a:off x="6386040" y="4146480"/>
-            <a:ext cx="2933280" cy="2562840"/>
+            <a:ext cx="2932920" cy="2562480"/>
           </a:xfrm>
           <a:prstGeom prst="rect">
             <a:avLst/>
@@ -14427,7 +14459,7 @@
         <p:spPr>
           <a:xfrm>
             <a:off x="360000" y="360000"/>
-            <a:ext cx="9352080" cy="892080"/>
+            <a:ext cx="9351720" cy="891720"/>
           </a:xfrm>
           <a:prstGeom prst="rect">
             <a:avLst/>
@@ -14479,7 +14511,7 @@
         <p:spPr>
           <a:xfrm>
             <a:off x="360000" y="1980000"/>
-            <a:ext cx="9172080" cy="4672080"/>
+            <a:ext cx="9171720" cy="4671720"/>
           </a:xfrm>
           <a:prstGeom prst="rect">
             <a:avLst/>
@@ -14538,7 +14570,7 @@
         <p:spPr>
           <a:xfrm>
             <a:off x="897120" y="6886080"/>
-            <a:ext cx="6439320" cy="357120"/>
+            <a:ext cx="6438960" cy="356760"/>
           </a:xfrm>
           <a:prstGeom prst="rect">
             <a:avLst/>
@@ -14590,7 +14622,7 @@
         <p:spPr>
           <a:xfrm>
             <a:off x="7608600" y="6886080"/>
-            <a:ext cx="2277360" cy="357120"/>
+            <a:ext cx="2277000" cy="356760"/>
           </a:xfrm>
           <a:prstGeom prst="rect">
             <a:avLst/>
@@ -14642,7 +14674,7 @@
         <p:spPr>
           <a:xfrm>
             <a:off x="327960" y="1553760"/>
-            <a:ext cx="9193320" cy="5127840"/>
+            <a:ext cx="9192960" cy="5127480"/>
           </a:xfrm>
           <a:prstGeom prst="rect">
             <a:avLst/>
@@ -15130,7 +15162,7 @@
         <p:spPr>
           <a:xfrm>
             <a:off x="1037520" y="3120840"/>
-            <a:ext cx="2407680" cy="677520"/>
+            <a:ext cx="2407320" cy="677160"/>
           </a:xfrm>
           <a:prstGeom prst="rect">
             <a:avLst/>
@@ -15153,7 +15185,7 @@
         <p:spPr>
           <a:xfrm>
             <a:off x="5196600" y="1924920"/>
-            <a:ext cx="4409280" cy="1801800"/>
+            <a:ext cx="4408920" cy="1801440"/>
           </a:xfrm>
           <a:prstGeom prst="rect">
             <a:avLst/>
@@ -15202,7 +15234,7 @@
         <p:spPr>
           <a:xfrm>
             <a:off x="360000" y="360000"/>
-            <a:ext cx="9352080" cy="892080"/>
+            <a:ext cx="9351720" cy="891720"/>
           </a:xfrm>
           <a:prstGeom prst="rect">
             <a:avLst/>
@@ -15254,7 +15286,7 @@
         <p:spPr>
           <a:xfrm>
             <a:off x="360000" y="1980000"/>
-            <a:ext cx="9172080" cy="4672080"/>
+            <a:ext cx="9171720" cy="4671720"/>
           </a:xfrm>
           <a:prstGeom prst="rect">
             <a:avLst/>
@@ -15313,7 +15345,7 @@
         <p:spPr>
           <a:xfrm>
             <a:off x="897120" y="6886080"/>
-            <a:ext cx="6439320" cy="357120"/>
+            <a:ext cx="6438960" cy="356760"/>
           </a:xfrm>
           <a:prstGeom prst="rect">
             <a:avLst/>
@@ -15365,7 +15397,7 @@
         <p:spPr>
           <a:xfrm>
             <a:off x="7608600" y="6886080"/>
-            <a:ext cx="2277360" cy="357120"/>
+            <a:ext cx="2277000" cy="356760"/>
           </a:xfrm>
           <a:prstGeom prst="rect">
             <a:avLst/>
@@ -15417,7 +15449,7 @@
         <p:spPr>
           <a:xfrm>
             <a:off x="327960" y="1553760"/>
-            <a:ext cx="9193320" cy="5127840"/>
+            <a:ext cx="9192960" cy="5127480"/>
           </a:xfrm>
           <a:prstGeom prst="rect">
             <a:avLst/>
